--- a/ВКР/Презентация.pptx
+++ b/ВКР/Презентация.pptx
@@ -1,9 +1,12 @@
 
 <file path=ppt/presentation.xml><?xml version="1.0" encoding="utf-8"?>
-<p:presentation xmlns:a="http://schemas.openxmlformats.org/drawingml/2006/main" xmlns:r="http://schemas.openxmlformats.org/officeDocument/2006/relationships" xmlns:p="http://schemas.openxmlformats.org/presentationml/2006/main" saveSubsetFonts="1">
+<p:presentation xmlns:a="http://schemas.openxmlformats.org/drawingml/2006/main" xmlns:r="http://schemas.openxmlformats.org/officeDocument/2006/relationships" xmlns:p="http://schemas.openxmlformats.org/presentationml/2006/main" showSpecialPlsOnTitleSld="0" saveSubsetFonts="1">
   <p:sldMasterIdLst>
-    <p:sldMasterId id="2147483648" r:id="rId1"/>
+    <p:sldMasterId id="2147483660" r:id="rId1"/>
   </p:sldMasterIdLst>
+  <p:notesMasterIdLst>
+    <p:notesMasterId r:id="rId16"/>
+  </p:notesMasterIdLst>
   <p:sldIdLst>
     <p:sldId id="256" r:id="rId2"/>
     <p:sldId id="257" r:id="rId3"/>
@@ -20,7 +23,7 @@
     <p:sldId id="269" r:id="rId14"/>
     <p:sldId id="270" r:id="rId15"/>
   </p:sldIdLst>
-  <p:sldSz cx="12192000" cy="6858000"/>
+  <p:sldSz cx="9144000" cy="6858000" type="screen4x3"/>
   <p:notesSz cx="6858000" cy="9144000"/>
   <p:defaultTextStyle>
     <a:defPPr>
@@ -117,7 +120,362 @@
       </a:defRPr>
     </a:lvl9pPr>
   </p:defaultTextStyle>
+  <p:extLst>
+    <p:ext uri="{EFAFB233-063F-42B5-8137-9DF3F51BA10A}">
+      <p15:sldGuideLst xmlns:p15="http://schemas.microsoft.com/office/powerpoint/2012/main"/>
+    </p:ext>
+  </p:extLst>
 </p:presentation>
+</file>
+
+<file path=ppt/notesMasters/notesMaster1.xml><?xml version="1.0" encoding="utf-8"?>
+<p:notesMaster xmlns:a="http://schemas.openxmlformats.org/drawingml/2006/main" xmlns:r="http://schemas.openxmlformats.org/officeDocument/2006/relationships" xmlns:p="http://schemas.openxmlformats.org/presentationml/2006/main">
+  <p:cSld>
+    <p:bg>
+      <p:bgRef idx="1001">
+        <a:schemeClr val="bg1"/>
+      </p:bgRef>
+    </p:bg>
+    <p:spTree>
+      <p:nvGrpSpPr>
+        <p:cNvPr id="1" name=""/>
+        <p:cNvGrpSpPr/>
+        <p:nvPr/>
+      </p:nvGrpSpPr>
+      <p:grpSpPr>
+        <a:xfrm>
+          <a:off x="0" y="0"/>
+          <a:ext cx="0" cy="0"/>
+          <a:chOff x="0" y="0"/>
+          <a:chExt cx="0" cy="0"/>
+        </a:xfrm>
+      </p:grpSpPr>
+      <p:sp>
+        <p:nvSpPr>
+          <p:cNvPr id="2" name="Верхний колонтитул 1"/>
+          <p:cNvSpPr>
+            <a:spLocks noGrp="1"/>
+          </p:cNvSpPr>
+          <p:nvPr>
+            <p:ph type="hdr" sz="quarter"/>
+          </p:nvPr>
+        </p:nvSpPr>
+        <p:spPr>
+          <a:xfrm>
+            <a:off x="0" y="0"/>
+            <a:ext cx="2971800" cy="458788"/>
+          </a:xfrm>
+          <a:prstGeom prst="rect">
+            <a:avLst/>
+          </a:prstGeom>
+        </p:spPr>
+        <p:txBody>
+          <a:bodyPr vert="horz" lIns="91440" tIns="45720" rIns="91440" bIns="45720" rtlCol="0"/>
+          <a:lstStyle>
+            <a:lvl1pPr algn="l">
+              <a:defRPr sz="1200"/>
+            </a:lvl1pPr>
+          </a:lstStyle>
+          <a:p>
+            <a:endParaRPr lang="en-US"/>
+          </a:p>
+        </p:txBody>
+      </p:sp>
+      <p:sp>
+        <p:nvSpPr>
+          <p:cNvPr id="3" name="Дата 2"/>
+          <p:cNvSpPr>
+            <a:spLocks noGrp="1"/>
+          </p:cNvSpPr>
+          <p:nvPr>
+            <p:ph type="dt" idx="1"/>
+          </p:nvPr>
+        </p:nvSpPr>
+        <p:spPr>
+          <a:xfrm>
+            <a:off x="3884613" y="0"/>
+            <a:ext cx="2971800" cy="458788"/>
+          </a:xfrm>
+          <a:prstGeom prst="rect">
+            <a:avLst/>
+          </a:prstGeom>
+        </p:spPr>
+        <p:txBody>
+          <a:bodyPr vert="horz" lIns="91440" tIns="45720" rIns="91440" bIns="45720" rtlCol="0"/>
+          <a:lstStyle>
+            <a:lvl1pPr algn="r">
+              <a:defRPr sz="1200"/>
+            </a:lvl1pPr>
+          </a:lstStyle>
+          <a:p>
+            <a:fld id="{D1F2D56C-348E-4461-AABC-E37B6633ED20}" type="datetimeFigureOut">
+              <a:rPr lang="en-US" smtClean="0"/>
+              <a:t>6/5/2023</a:t>
+            </a:fld>
+            <a:endParaRPr lang="en-US"/>
+          </a:p>
+        </p:txBody>
+      </p:sp>
+      <p:sp>
+        <p:nvSpPr>
+          <p:cNvPr id="4" name="Образ слайда 3"/>
+          <p:cNvSpPr>
+            <a:spLocks noGrp="1" noRot="1" noChangeAspect="1"/>
+          </p:cNvSpPr>
+          <p:nvPr>
+            <p:ph type="sldImg" idx="2"/>
+          </p:nvPr>
+        </p:nvSpPr>
+        <p:spPr>
+          <a:xfrm>
+            <a:off x="1371600" y="1143000"/>
+            <a:ext cx="4114800" cy="3086100"/>
+          </a:xfrm>
+          <a:prstGeom prst="rect">
+            <a:avLst/>
+          </a:prstGeom>
+          <a:noFill/>
+          <a:ln w="12700">
+            <a:solidFill>
+              <a:prstClr val="black"/>
+            </a:solidFill>
+          </a:ln>
+        </p:spPr>
+        <p:txBody>
+          <a:bodyPr vert="horz" lIns="91440" tIns="45720" rIns="91440" bIns="45720" rtlCol="0" anchor="ctr"/>
+          <a:lstStyle/>
+          <a:p>
+            <a:endParaRPr lang="en-US"/>
+          </a:p>
+        </p:txBody>
+      </p:sp>
+      <p:sp>
+        <p:nvSpPr>
+          <p:cNvPr id="5" name="Заметки 4"/>
+          <p:cNvSpPr>
+            <a:spLocks noGrp="1"/>
+          </p:cNvSpPr>
+          <p:nvPr>
+            <p:ph type="body" sz="quarter" idx="3"/>
+          </p:nvPr>
+        </p:nvSpPr>
+        <p:spPr>
+          <a:xfrm>
+            <a:off x="685800" y="4400550"/>
+            <a:ext cx="5486400" cy="3600450"/>
+          </a:xfrm>
+          <a:prstGeom prst="rect">
+            <a:avLst/>
+          </a:prstGeom>
+        </p:spPr>
+        <p:txBody>
+          <a:bodyPr vert="horz" lIns="91440" tIns="45720" rIns="91440" bIns="45720" rtlCol="0"/>
+          <a:lstStyle/>
+          <a:p>
+            <a:pPr lvl="0"/>
+            <a:r>
+              <a:rPr lang="ru-RU" smtClean="0"/>
+              <a:t>Образец текста</a:t>
+            </a:r>
+          </a:p>
+          <a:p>
+            <a:pPr lvl="1"/>
+            <a:r>
+              <a:rPr lang="ru-RU" smtClean="0"/>
+              <a:t>Второй уровень</a:t>
+            </a:r>
+          </a:p>
+          <a:p>
+            <a:pPr lvl="2"/>
+            <a:r>
+              <a:rPr lang="ru-RU" smtClean="0"/>
+              <a:t>Третий уровень</a:t>
+            </a:r>
+          </a:p>
+          <a:p>
+            <a:pPr lvl="3"/>
+            <a:r>
+              <a:rPr lang="ru-RU" smtClean="0"/>
+              <a:t>Четвертый уровень</a:t>
+            </a:r>
+          </a:p>
+          <a:p>
+            <a:pPr lvl="4"/>
+            <a:r>
+              <a:rPr lang="ru-RU" smtClean="0"/>
+              <a:t>Пятый уровень</a:t>
+            </a:r>
+            <a:endParaRPr lang="en-US"/>
+          </a:p>
+        </p:txBody>
+      </p:sp>
+      <p:sp>
+        <p:nvSpPr>
+          <p:cNvPr id="6" name="Нижний колонтитул 5"/>
+          <p:cNvSpPr>
+            <a:spLocks noGrp="1"/>
+          </p:cNvSpPr>
+          <p:nvPr>
+            <p:ph type="ftr" sz="quarter" idx="4"/>
+          </p:nvPr>
+        </p:nvSpPr>
+        <p:spPr>
+          <a:xfrm>
+            <a:off x="0" y="8685213"/>
+            <a:ext cx="2971800" cy="458787"/>
+          </a:xfrm>
+          <a:prstGeom prst="rect">
+            <a:avLst/>
+          </a:prstGeom>
+        </p:spPr>
+        <p:txBody>
+          <a:bodyPr vert="horz" lIns="91440" tIns="45720" rIns="91440" bIns="45720" rtlCol="0" anchor="b"/>
+          <a:lstStyle>
+            <a:lvl1pPr algn="l">
+              <a:defRPr sz="1200"/>
+            </a:lvl1pPr>
+          </a:lstStyle>
+          <a:p>
+            <a:endParaRPr lang="en-US"/>
+          </a:p>
+        </p:txBody>
+      </p:sp>
+      <p:sp>
+        <p:nvSpPr>
+          <p:cNvPr id="7" name="Номер слайда 6"/>
+          <p:cNvSpPr>
+            <a:spLocks noGrp="1"/>
+          </p:cNvSpPr>
+          <p:nvPr>
+            <p:ph type="sldNum" sz="quarter" idx="5"/>
+          </p:nvPr>
+        </p:nvSpPr>
+        <p:spPr>
+          <a:xfrm>
+            <a:off x="3884613" y="8685213"/>
+            <a:ext cx="2971800" cy="458787"/>
+          </a:xfrm>
+          <a:prstGeom prst="rect">
+            <a:avLst/>
+          </a:prstGeom>
+        </p:spPr>
+        <p:txBody>
+          <a:bodyPr vert="horz" lIns="91440" tIns="45720" rIns="91440" bIns="45720" rtlCol="0" anchor="b"/>
+          <a:lstStyle>
+            <a:lvl1pPr algn="r">
+              <a:defRPr sz="1200"/>
+            </a:lvl1pPr>
+          </a:lstStyle>
+          <a:p>
+            <a:fld id="{B12C7D36-B7CE-4D6A-A7B6-E91E94FAAC20}" type="slidenum">
+              <a:rPr lang="en-US" smtClean="0"/>
+              <a:t>‹#›</a:t>
+            </a:fld>
+            <a:endParaRPr lang="en-US"/>
+          </a:p>
+        </p:txBody>
+      </p:sp>
+    </p:spTree>
+    <p:extLst>
+      <p:ext uri="{BB962C8B-B14F-4D97-AF65-F5344CB8AC3E}">
+        <p14:creationId xmlns:p14="http://schemas.microsoft.com/office/powerpoint/2010/main" val="1789532699"/>
+      </p:ext>
+    </p:extLst>
+  </p:cSld>
+  <p:clrMap bg1="lt1" tx1="dk1" bg2="lt2" tx2="dk2" accent1="accent1" accent2="accent2" accent3="accent3" accent4="accent4" accent5="accent5" accent6="accent6" hlink="hlink" folHlink="folHlink"/>
+  <p:notesStyle>
+    <a:lvl1pPr marL="0" algn="l" defTabSz="914400" rtl="0" eaLnBrk="1" latinLnBrk="0" hangingPunct="1">
+      <a:defRPr sz="1200" kern="1200">
+        <a:solidFill>
+          <a:schemeClr val="tx1"/>
+        </a:solidFill>
+        <a:latin typeface="+mn-lt"/>
+        <a:ea typeface="+mn-ea"/>
+        <a:cs typeface="+mn-cs"/>
+      </a:defRPr>
+    </a:lvl1pPr>
+    <a:lvl2pPr marL="457200" algn="l" defTabSz="914400" rtl="0" eaLnBrk="1" latinLnBrk="0" hangingPunct="1">
+      <a:defRPr sz="1200" kern="1200">
+        <a:solidFill>
+          <a:schemeClr val="tx1"/>
+        </a:solidFill>
+        <a:latin typeface="+mn-lt"/>
+        <a:ea typeface="+mn-ea"/>
+        <a:cs typeface="+mn-cs"/>
+      </a:defRPr>
+    </a:lvl2pPr>
+    <a:lvl3pPr marL="914400" algn="l" defTabSz="914400" rtl="0" eaLnBrk="1" latinLnBrk="0" hangingPunct="1">
+      <a:defRPr sz="1200" kern="1200">
+        <a:solidFill>
+          <a:schemeClr val="tx1"/>
+        </a:solidFill>
+        <a:latin typeface="+mn-lt"/>
+        <a:ea typeface="+mn-ea"/>
+        <a:cs typeface="+mn-cs"/>
+      </a:defRPr>
+    </a:lvl3pPr>
+    <a:lvl4pPr marL="1371600" algn="l" defTabSz="914400" rtl="0" eaLnBrk="1" latinLnBrk="0" hangingPunct="1">
+      <a:defRPr sz="1200" kern="1200">
+        <a:solidFill>
+          <a:schemeClr val="tx1"/>
+        </a:solidFill>
+        <a:latin typeface="+mn-lt"/>
+        <a:ea typeface="+mn-ea"/>
+        <a:cs typeface="+mn-cs"/>
+      </a:defRPr>
+    </a:lvl4pPr>
+    <a:lvl5pPr marL="1828800" algn="l" defTabSz="914400" rtl="0" eaLnBrk="1" latinLnBrk="0" hangingPunct="1">
+      <a:defRPr sz="1200" kern="1200">
+        <a:solidFill>
+          <a:schemeClr val="tx1"/>
+        </a:solidFill>
+        <a:latin typeface="+mn-lt"/>
+        <a:ea typeface="+mn-ea"/>
+        <a:cs typeface="+mn-cs"/>
+      </a:defRPr>
+    </a:lvl5pPr>
+    <a:lvl6pPr marL="2286000" algn="l" defTabSz="914400" rtl="0" eaLnBrk="1" latinLnBrk="0" hangingPunct="1">
+      <a:defRPr sz="1200" kern="1200">
+        <a:solidFill>
+          <a:schemeClr val="tx1"/>
+        </a:solidFill>
+        <a:latin typeface="+mn-lt"/>
+        <a:ea typeface="+mn-ea"/>
+        <a:cs typeface="+mn-cs"/>
+      </a:defRPr>
+    </a:lvl6pPr>
+    <a:lvl7pPr marL="2743200" algn="l" defTabSz="914400" rtl="0" eaLnBrk="1" latinLnBrk="0" hangingPunct="1">
+      <a:defRPr sz="1200" kern="1200">
+        <a:solidFill>
+          <a:schemeClr val="tx1"/>
+        </a:solidFill>
+        <a:latin typeface="+mn-lt"/>
+        <a:ea typeface="+mn-ea"/>
+        <a:cs typeface="+mn-cs"/>
+      </a:defRPr>
+    </a:lvl7pPr>
+    <a:lvl8pPr marL="3200400" algn="l" defTabSz="914400" rtl="0" eaLnBrk="1" latinLnBrk="0" hangingPunct="1">
+      <a:defRPr sz="1200" kern="1200">
+        <a:solidFill>
+          <a:schemeClr val="tx1"/>
+        </a:solidFill>
+        <a:latin typeface="+mn-lt"/>
+        <a:ea typeface="+mn-ea"/>
+        <a:cs typeface="+mn-cs"/>
+      </a:defRPr>
+    </a:lvl8pPr>
+    <a:lvl9pPr marL="3657600" algn="l" defTabSz="914400" rtl="0" eaLnBrk="1" latinLnBrk="0" hangingPunct="1">
+      <a:defRPr sz="1200" kern="1200">
+        <a:solidFill>
+          <a:schemeClr val="tx1"/>
+        </a:solidFill>
+        <a:latin typeface="+mn-lt"/>
+        <a:ea typeface="+mn-ea"/>
+        <a:cs typeface="+mn-cs"/>
+      </a:defRPr>
+    </a:lvl9pPr>
+  </p:notesStyle>
+</p:notesMaster>
 </file>
 
 <file path=ppt/slideLayouts/slideLayout1.xml><?xml version="1.0" encoding="utf-8"?>
@@ -139,7 +497,7 @@
       </p:grpSpPr>
       <p:sp>
         <p:nvSpPr>
-          <p:cNvPr id="2" name="Заголовок 1"/>
+          <p:cNvPr id="2" name="Title 1"/>
           <p:cNvSpPr>
             <a:spLocks noGrp="1"/>
           </p:cNvSpPr>
@@ -149,8 +507,8 @@
         </p:nvSpPr>
         <p:spPr>
           <a:xfrm>
-            <a:off x="1524000" y="1122363"/>
-            <a:ext cx="9144000" cy="2387600"/>
+            <a:off x="685800" y="1122363"/>
+            <a:ext cx="7772400" cy="2387600"/>
           </a:xfrm>
         </p:spPr>
         <p:txBody>
@@ -165,13 +523,13 @@
               <a:rPr lang="ru-RU" smtClean="0"/>
               <a:t>Образец заголовка</a:t>
             </a:r>
-            <a:endParaRPr lang="en-US"/>
-          </a:p>
-        </p:txBody>
-      </p:sp>
-      <p:sp>
-        <p:nvSpPr>
-          <p:cNvPr id="3" name="Подзаголовок 2"/>
+            <a:endParaRPr lang="en-US" dirty="0"/>
+          </a:p>
+        </p:txBody>
+      </p:sp>
+      <p:sp>
+        <p:nvSpPr>
+          <p:cNvPr id="3" name="Subtitle 2"/>
           <p:cNvSpPr>
             <a:spLocks noGrp="1"/>
           </p:cNvSpPr>
@@ -181,8 +539,8 @@
         </p:nvSpPr>
         <p:spPr>
           <a:xfrm>
-            <a:off x="1524000" y="3602038"/>
-            <a:ext cx="9144000" cy="1655762"/>
+            <a:off x="1143000" y="3602038"/>
+            <a:ext cx="6858000" cy="1655762"/>
           </a:xfrm>
         </p:spPr>
         <p:txBody>
@@ -230,13 +588,13 @@
               <a:rPr lang="ru-RU" smtClean="0"/>
               <a:t>Образец подзаголовка</a:t>
             </a:r>
-            <a:endParaRPr lang="en-US"/>
-          </a:p>
-        </p:txBody>
-      </p:sp>
-      <p:sp>
-        <p:nvSpPr>
-          <p:cNvPr id="4" name="Дата 3"/>
+            <a:endParaRPr lang="en-US" dirty="0"/>
+          </a:p>
+        </p:txBody>
+      </p:sp>
+      <p:sp>
+        <p:nvSpPr>
+          <p:cNvPr id="4" name="Date Placeholder 3"/>
           <p:cNvSpPr>
             <a:spLocks noGrp="1"/>
           </p:cNvSpPr>
@@ -249,9 +607,9 @@
           <a:bodyPr/>
           <a:lstStyle/>
           <a:p>
-            <a:fld id="{5ABB395E-A391-4B6B-BB3D-8FB0C57DC2A0}" type="datetimeFigureOut">
+            <a:fld id="{DD43586E-08CE-446F-B5C0-39BA76582054}" type="datetime1">
               <a:rPr lang="en-US" smtClean="0"/>
-              <a:t>6/1/2023</a:t>
+              <a:t>6/5/2023</a:t>
             </a:fld>
             <a:endParaRPr lang="en-US"/>
           </a:p>
@@ -259,7 +617,7 @@
       </p:sp>
       <p:sp>
         <p:nvSpPr>
-          <p:cNvPr id="5" name="Нижний колонтитул 4"/>
+          <p:cNvPr id="5" name="Footer Placeholder 4"/>
           <p:cNvSpPr>
             <a:spLocks noGrp="1"/>
           </p:cNvSpPr>
@@ -278,7 +636,7 @@
       </p:sp>
       <p:sp>
         <p:nvSpPr>
-          <p:cNvPr id="6" name="Номер слайда 5"/>
+          <p:cNvPr id="6" name="Slide Number Placeholder 5"/>
           <p:cNvSpPr>
             <a:spLocks noGrp="1"/>
           </p:cNvSpPr>
@@ -302,7 +660,7 @@
     </p:spTree>
     <p:extLst>
       <p:ext uri="{BB962C8B-B14F-4D97-AF65-F5344CB8AC3E}">
-        <p14:creationId xmlns:p14="http://schemas.microsoft.com/office/powerpoint/2010/main" val="2220781441"/>
+        <p14:creationId xmlns:p14="http://schemas.microsoft.com/office/powerpoint/2010/main" val="448147771"/>
       </p:ext>
     </p:extLst>
   </p:cSld>
@@ -331,7 +689,7 @@
       </p:grpSpPr>
       <p:sp>
         <p:nvSpPr>
-          <p:cNvPr id="2" name="Заголовок 1"/>
+          <p:cNvPr id="2" name="Title 1"/>
           <p:cNvSpPr>
             <a:spLocks noGrp="1"/>
           </p:cNvSpPr>
@@ -348,13 +706,13 @@
               <a:rPr lang="ru-RU" smtClean="0"/>
               <a:t>Образец заголовка</a:t>
             </a:r>
-            <a:endParaRPr lang="en-US"/>
-          </a:p>
-        </p:txBody>
-      </p:sp>
-      <p:sp>
-        <p:nvSpPr>
-          <p:cNvPr id="3" name="Вертикальный текст 2"/>
+            <a:endParaRPr lang="en-US" dirty="0"/>
+          </a:p>
+        </p:txBody>
+      </p:sp>
+      <p:sp>
+        <p:nvSpPr>
+          <p:cNvPr id="3" name="Vertical Text Placeholder 2"/>
           <p:cNvSpPr>
             <a:spLocks noGrp="1"/>
           </p:cNvSpPr>
@@ -400,13 +758,13 @@
               <a:rPr lang="ru-RU" smtClean="0"/>
               <a:t>Пятый уровень</a:t>
             </a:r>
-            <a:endParaRPr lang="en-US"/>
-          </a:p>
-        </p:txBody>
-      </p:sp>
-      <p:sp>
-        <p:nvSpPr>
-          <p:cNvPr id="4" name="Дата 3"/>
+            <a:endParaRPr lang="en-US" dirty="0"/>
+          </a:p>
+        </p:txBody>
+      </p:sp>
+      <p:sp>
+        <p:nvSpPr>
+          <p:cNvPr id="4" name="Date Placeholder 3"/>
           <p:cNvSpPr>
             <a:spLocks noGrp="1"/>
           </p:cNvSpPr>
@@ -419,9 +777,9 @@
           <a:bodyPr/>
           <a:lstStyle/>
           <a:p>
-            <a:fld id="{5ABB395E-A391-4B6B-BB3D-8FB0C57DC2A0}" type="datetimeFigureOut">
+            <a:fld id="{C923C6D8-9D13-415F-BD9B-A071342353C3}" type="datetime1">
               <a:rPr lang="en-US" smtClean="0"/>
-              <a:t>6/1/2023</a:t>
+              <a:t>6/5/2023</a:t>
             </a:fld>
             <a:endParaRPr lang="en-US"/>
           </a:p>
@@ -429,7 +787,7 @@
       </p:sp>
       <p:sp>
         <p:nvSpPr>
-          <p:cNvPr id="5" name="Нижний колонтитул 4"/>
+          <p:cNvPr id="5" name="Footer Placeholder 4"/>
           <p:cNvSpPr>
             <a:spLocks noGrp="1"/>
           </p:cNvSpPr>
@@ -448,7 +806,7 @@
       </p:sp>
       <p:sp>
         <p:nvSpPr>
-          <p:cNvPr id="6" name="Номер слайда 5"/>
+          <p:cNvPr id="6" name="Slide Number Placeholder 5"/>
           <p:cNvSpPr>
             <a:spLocks noGrp="1"/>
           </p:cNvSpPr>
@@ -472,7 +830,7 @@
     </p:spTree>
     <p:extLst>
       <p:ext uri="{BB962C8B-B14F-4D97-AF65-F5344CB8AC3E}">
-        <p14:creationId xmlns:p14="http://schemas.microsoft.com/office/powerpoint/2010/main" val="1284819324"/>
+        <p14:creationId xmlns:p14="http://schemas.microsoft.com/office/powerpoint/2010/main" val="3702203143"/>
       </p:ext>
     </p:extLst>
   </p:cSld>
@@ -501,7 +859,7 @@
       </p:grpSpPr>
       <p:sp>
         <p:nvSpPr>
-          <p:cNvPr id="2" name="Вертикальный заголовок 1"/>
+          <p:cNvPr id="2" name="Vertical Title 1"/>
           <p:cNvSpPr>
             <a:spLocks noGrp="1"/>
           </p:cNvSpPr>
@@ -511,8 +869,8 @@
         </p:nvSpPr>
         <p:spPr>
           <a:xfrm>
-            <a:off x="8724900" y="365125"/>
-            <a:ext cx="2628900" cy="5811838"/>
+            <a:off x="6543675" y="365125"/>
+            <a:ext cx="1971675" cy="5811838"/>
           </a:xfrm>
         </p:spPr>
         <p:txBody>
@@ -523,13 +881,13 @@
               <a:rPr lang="ru-RU" smtClean="0"/>
               <a:t>Образец заголовка</a:t>
             </a:r>
-            <a:endParaRPr lang="en-US"/>
-          </a:p>
-        </p:txBody>
-      </p:sp>
-      <p:sp>
-        <p:nvSpPr>
-          <p:cNvPr id="3" name="Вертикальный текст 2"/>
+            <a:endParaRPr lang="en-US" dirty="0"/>
+          </a:p>
+        </p:txBody>
+      </p:sp>
+      <p:sp>
+        <p:nvSpPr>
+          <p:cNvPr id="3" name="Vertical Text Placeholder 2"/>
           <p:cNvSpPr>
             <a:spLocks noGrp="1"/>
           </p:cNvSpPr>
@@ -539,8 +897,8 @@
         </p:nvSpPr>
         <p:spPr>
           <a:xfrm>
-            <a:off x="838200" y="365125"/>
-            <a:ext cx="7734300" cy="5811838"/>
+            <a:off x="628650" y="365125"/>
+            <a:ext cx="5800725" cy="5811838"/>
           </a:xfrm>
         </p:spPr>
         <p:txBody>
@@ -580,13 +938,13 @@
               <a:rPr lang="ru-RU" smtClean="0"/>
               <a:t>Пятый уровень</a:t>
             </a:r>
-            <a:endParaRPr lang="en-US"/>
-          </a:p>
-        </p:txBody>
-      </p:sp>
-      <p:sp>
-        <p:nvSpPr>
-          <p:cNvPr id="4" name="Дата 3"/>
+            <a:endParaRPr lang="en-US" dirty="0"/>
+          </a:p>
+        </p:txBody>
+      </p:sp>
+      <p:sp>
+        <p:nvSpPr>
+          <p:cNvPr id="4" name="Date Placeholder 3"/>
           <p:cNvSpPr>
             <a:spLocks noGrp="1"/>
           </p:cNvSpPr>
@@ -599,9 +957,9 @@
           <a:bodyPr/>
           <a:lstStyle/>
           <a:p>
-            <a:fld id="{5ABB395E-A391-4B6B-BB3D-8FB0C57DC2A0}" type="datetimeFigureOut">
+            <a:fld id="{143AC1D2-1753-4E81-9125-9639CB7BE20C}" type="datetime1">
               <a:rPr lang="en-US" smtClean="0"/>
-              <a:t>6/1/2023</a:t>
+              <a:t>6/5/2023</a:t>
             </a:fld>
             <a:endParaRPr lang="en-US"/>
           </a:p>
@@ -609,7 +967,7 @@
       </p:sp>
       <p:sp>
         <p:nvSpPr>
-          <p:cNvPr id="5" name="Нижний колонтитул 4"/>
+          <p:cNvPr id="5" name="Footer Placeholder 4"/>
           <p:cNvSpPr>
             <a:spLocks noGrp="1"/>
           </p:cNvSpPr>
@@ -628,7 +986,7 @@
       </p:sp>
       <p:sp>
         <p:nvSpPr>
-          <p:cNvPr id="6" name="Номер слайда 5"/>
+          <p:cNvPr id="6" name="Slide Number Placeholder 5"/>
           <p:cNvSpPr>
             <a:spLocks noGrp="1"/>
           </p:cNvSpPr>
@@ -652,7 +1010,7 @@
     </p:spTree>
     <p:extLst>
       <p:ext uri="{BB962C8B-B14F-4D97-AF65-F5344CB8AC3E}">
-        <p14:creationId xmlns:p14="http://schemas.microsoft.com/office/powerpoint/2010/main" val="3889126011"/>
+        <p14:creationId xmlns:p14="http://schemas.microsoft.com/office/powerpoint/2010/main" val="2173448806"/>
       </p:ext>
     </p:extLst>
   </p:cSld>
@@ -681,7 +1039,7 @@
       </p:grpSpPr>
       <p:sp>
         <p:nvSpPr>
-          <p:cNvPr id="2" name="Заголовок 1"/>
+          <p:cNvPr id="2" name="Title 1"/>
           <p:cNvSpPr>
             <a:spLocks noGrp="1"/>
           </p:cNvSpPr>
@@ -698,13 +1056,13 @@
               <a:rPr lang="ru-RU" smtClean="0"/>
               <a:t>Образец заголовка</a:t>
             </a:r>
-            <a:endParaRPr lang="en-US"/>
-          </a:p>
-        </p:txBody>
-      </p:sp>
-      <p:sp>
-        <p:nvSpPr>
-          <p:cNvPr id="3" name="Объект 2"/>
+            <a:endParaRPr lang="en-US" dirty="0"/>
+          </a:p>
+        </p:txBody>
+      </p:sp>
+      <p:sp>
+        <p:nvSpPr>
+          <p:cNvPr id="3" name="Content Placeholder 2"/>
           <p:cNvSpPr>
             <a:spLocks noGrp="1"/>
           </p:cNvSpPr>
@@ -750,13 +1108,13 @@
               <a:rPr lang="ru-RU" smtClean="0"/>
               <a:t>Пятый уровень</a:t>
             </a:r>
-            <a:endParaRPr lang="en-US"/>
-          </a:p>
-        </p:txBody>
-      </p:sp>
-      <p:sp>
-        <p:nvSpPr>
-          <p:cNvPr id="4" name="Дата 3"/>
+            <a:endParaRPr lang="en-US" dirty="0"/>
+          </a:p>
+        </p:txBody>
+      </p:sp>
+      <p:sp>
+        <p:nvSpPr>
+          <p:cNvPr id="4" name="Date Placeholder 3"/>
           <p:cNvSpPr>
             <a:spLocks noGrp="1"/>
           </p:cNvSpPr>
@@ -769,9 +1127,9 @@
           <a:bodyPr/>
           <a:lstStyle/>
           <a:p>
-            <a:fld id="{5ABB395E-A391-4B6B-BB3D-8FB0C57DC2A0}" type="datetimeFigureOut">
+            <a:fld id="{451DD893-034D-4092-9147-2E3A7F175917}" type="datetime1">
               <a:rPr lang="en-US" smtClean="0"/>
-              <a:t>6/1/2023</a:t>
+              <a:t>6/5/2023</a:t>
             </a:fld>
             <a:endParaRPr lang="en-US"/>
           </a:p>
@@ -779,7 +1137,7 @@
       </p:sp>
       <p:sp>
         <p:nvSpPr>
-          <p:cNvPr id="5" name="Нижний колонтитул 4"/>
+          <p:cNvPr id="5" name="Footer Placeholder 4"/>
           <p:cNvSpPr>
             <a:spLocks noGrp="1"/>
           </p:cNvSpPr>
@@ -798,7 +1156,7 @@
       </p:sp>
       <p:sp>
         <p:nvSpPr>
-          <p:cNvPr id="6" name="Номер слайда 5"/>
+          <p:cNvPr id="6" name="Slide Number Placeholder 5"/>
           <p:cNvSpPr>
             <a:spLocks noGrp="1"/>
           </p:cNvSpPr>
@@ -822,7 +1180,7 @@
     </p:spTree>
     <p:extLst>
       <p:ext uri="{BB962C8B-B14F-4D97-AF65-F5344CB8AC3E}">
-        <p14:creationId xmlns:p14="http://schemas.microsoft.com/office/powerpoint/2010/main" val="2437573062"/>
+        <p14:creationId xmlns:p14="http://schemas.microsoft.com/office/powerpoint/2010/main" val="2484073669"/>
       </p:ext>
     </p:extLst>
   </p:cSld>
@@ -851,7 +1209,7 @@
       </p:grpSpPr>
       <p:sp>
         <p:nvSpPr>
-          <p:cNvPr id="2" name="Заголовок 1"/>
+          <p:cNvPr id="2" name="Title 1"/>
           <p:cNvSpPr>
             <a:spLocks noGrp="1"/>
           </p:cNvSpPr>
@@ -861,8 +1219,8 @@
         </p:nvSpPr>
         <p:spPr>
           <a:xfrm>
-            <a:off x="831850" y="1709738"/>
-            <a:ext cx="10515600" cy="2852737"/>
+            <a:off x="623888" y="1709739"/>
+            <a:ext cx="7886700" cy="2852737"/>
           </a:xfrm>
         </p:spPr>
         <p:txBody>
@@ -877,13 +1235,13 @@
               <a:rPr lang="ru-RU" smtClean="0"/>
               <a:t>Образец заголовка</a:t>
             </a:r>
-            <a:endParaRPr lang="en-US"/>
-          </a:p>
-        </p:txBody>
-      </p:sp>
-      <p:sp>
-        <p:nvSpPr>
-          <p:cNvPr id="3" name="Текст 2"/>
+            <a:endParaRPr lang="en-US" dirty="0"/>
+          </a:p>
+        </p:txBody>
+      </p:sp>
+      <p:sp>
+        <p:nvSpPr>
+          <p:cNvPr id="3" name="Text Placeholder 2"/>
           <p:cNvSpPr>
             <a:spLocks noGrp="1"/>
           </p:cNvSpPr>
@@ -893,8 +1251,8 @@
         </p:nvSpPr>
         <p:spPr>
           <a:xfrm>
-            <a:off x="831850" y="4589463"/>
-            <a:ext cx="10515600" cy="1500187"/>
+            <a:off x="623888" y="4589464"/>
+            <a:ext cx="7886700" cy="1500187"/>
           </a:xfrm>
         </p:spPr>
         <p:txBody>
@@ -904,9 +1262,7 @@
               <a:buNone/>
               <a:defRPr sz="2400">
                 <a:solidFill>
-                  <a:schemeClr val="tx1">
-                    <a:tint val="75000"/>
-                  </a:schemeClr>
+                  <a:schemeClr val="tx1"/>
                 </a:solidFill>
               </a:defRPr>
             </a:lvl1pPr>
@@ -1002,7 +1358,7 @@
       </p:sp>
       <p:sp>
         <p:nvSpPr>
-          <p:cNvPr id="4" name="Дата 3"/>
+          <p:cNvPr id="4" name="Date Placeholder 3"/>
           <p:cNvSpPr>
             <a:spLocks noGrp="1"/>
           </p:cNvSpPr>
@@ -1015,9 +1371,9 @@
           <a:bodyPr/>
           <a:lstStyle/>
           <a:p>
-            <a:fld id="{5ABB395E-A391-4B6B-BB3D-8FB0C57DC2A0}" type="datetimeFigureOut">
+            <a:fld id="{44265FF5-9272-40A1-A5FB-1DFE11F336EA}" type="datetime1">
               <a:rPr lang="en-US" smtClean="0"/>
-              <a:t>6/1/2023</a:t>
+              <a:t>6/5/2023</a:t>
             </a:fld>
             <a:endParaRPr lang="en-US"/>
           </a:p>
@@ -1025,7 +1381,7 @@
       </p:sp>
       <p:sp>
         <p:nvSpPr>
-          <p:cNvPr id="5" name="Нижний колонтитул 4"/>
+          <p:cNvPr id="5" name="Footer Placeholder 4"/>
           <p:cNvSpPr>
             <a:spLocks noGrp="1"/>
           </p:cNvSpPr>
@@ -1044,7 +1400,7 @@
       </p:sp>
       <p:sp>
         <p:nvSpPr>
-          <p:cNvPr id="6" name="Номер слайда 5"/>
+          <p:cNvPr id="6" name="Slide Number Placeholder 5"/>
           <p:cNvSpPr>
             <a:spLocks noGrp="1"/>
           </p:cNvSpPr>
@@ -1068,7 +1424,7 @@
     </p:spTree>
     <p:extLst>
       <p:ext uri="{BB962C8B-B14F-4D97-AF65-F5344CB8AC3E}">
-        <p14:creationId xmlns:p14="http://schemas.microsoft.com/office/powerpoint/2010/main" val="1249332348"/>
+        <p14:creationId xmlns:p14="http://schemas.microsoft.com/office/powerpoint/2010/main" val="2493391035"/>
       </p:ext>
     </p:extLst>
   </p:cSld>
@@ -1097,7 +1453,7 @@
       </p:grpSpPr>
       <p:sp>
         <p:nvSpPr>
-          <p:cNvPr id="2" name="Заголовок 1"/>
+          <p:cNvPr id="2" name="Title 1"/>
           <p:cNvSpPr>
             <a:spLocks noGrp="1"/>
           </p:cNvSpPr>
@@ -1114,13 +1470,13 @@
               <a:rPr lang="ru-RU" smtClean="0"/>
               <a:t>Образец заголовка</a:t>
             </a:r>
-            <a:endParaRPr lang="en-US"/>
-          </a:p>
-        </p:txBody>
-      </p:sp>
-      <p:sp>
-        <p:nvSpPr>
-          <p:cNvPr id="3" name="Объект 2"/>
+            <a:endParaRPr lang="en-US" dirty="0"/>
+          </a:p>
+        </p:txBody>
+      </p:sp>
+      <p:sp>
+        <p:nvSpPr>
+          <p:cNvPr id="3" name="Content Placeholder 2"/>
           <p:cNvSpPr>
             <a:spLocks noGrp="1"/>
           </p:cNvSpPr>
@@ -1130,8 +1486,8 @@
         </p:nvSpPr>
         <p:spPr>
           <a:xfrm>
-            <a:off x="838200" y="1825625"/>
-            <a:ext cx="5181600" cy="4351338"/>
+            <a:off x="628650" y="1825625"/>
+            <a:ext cx="3886200" cy="4351338"/>
           </a:xfrm>
         </p:spPr>
         <p:txBody>
@@ -1171,13 +1527,13 @@
               <a:rPr lang="ru-RU" smtClean="0"/>
               <a:t>Пятый уровень</a:t>
             </a:r>
-            <a:endParaRPr lang="en-US"/>
-          </a:p>
-        </p:txBody>
-      </p:sp>
-      <p:sp>
-        <p:nvSpPr>
-          <p:cNvPr id="4" name="Объект 3"/>
+            <a:endParaRPr lang="en-US" dirty="0"/>
+          </a:p>
+        </p:txBody>
+      </p:sp>
+      <p:sp>
+        <p:nvSpPr>
+          <p:cNvPr id="4" name="Content Placeholder 3"/>
           <p:cNvSpPr>
             <a:spLocks noGrp="1"/>
           </p:cNvSpPr>
@@ -1187,8 +1543,8 @@
         </p:nvSpPr>
         <p:spPr>
           <a:xfrm>
-            <a:off x="6172200" y="1825625"/>
-            <a:ext cx="5181600" cy="4351338"/>
+            <a:off x="4629150" y="1825625"/>
+            <a:ext cx="3886200" cy="4351338"/>
           </a:xfrm>
         </p:spPr>
         <p:txBody>
@@ -1228,13 +1584,13 @@
               <a:rPr lang="ru-RU" smtClean="0"/>
               <a:t>Пятый уровень</a:t>
             </a:r>
-            <a:endParaRPr lang="en-US"/>
-          </a:p>
-        </p:txBody>
-      </p:sp>
-      <p:sp>
-        <p:nvSpPr>
-          <p:cNvPr id="5" name="Дата 4"/>
+            <a:endParaRPr lang="en-US" dirty="0"/>
+          </a:p>
+        </p:txBody>
+      </p:sp>
+      <p:sp>
+        <p:nvSpPr>
+          <p:cNvPr id="5" name="Date Placeholder 4"/>
           <p:cNvSpPr>
             <a:spLocks noGrp="1"/>
           </p:cNvSpPr>
@@ -1247,9 +1603,9 @@
           <a:bodyPr/>
           <a:lstStyle/>
           <a:p>
-            <a:fld id="{5ABB395E-A391-4B6B-BB3D-8FB0C57DC2A0}" type="datetimeFigureOut">
+            <a:fld id="{4ED51709-F4F0-4C83-A6B3-C61990FA630C}" type="datetime1">
               <a:rPr lang="en-US" smtClean="0"/>
-              <a:t>6/1/2023</a:t>
+              <a:t>6/5/2023</a:t>
             </a:fld>
             <a:endParaRPr lang="en-US"/>
           </a:p>
@@ -1257,7 +1613,7 @@
       </p:sp>
       <p:sp>
         <p:nvSpPr>
-          <p:cNvPr id="6" name="Нижний колонтитул 5"/>
+          <p:cNvPr id="6" name="Footer Placeholder 5"/>
           <p:cNvSpPr>
             <a:spLocks noGrp="1"/>
           </p:cNvSpPr>
@@ -1276,7 +1632,7 @@
       </p:sp>
       <p:sp>
         <p:nvSpPr>
-          <p:cNvPr id="7" name="Номер слайда 6"/>
+          <p:cNvPr id="7" name="Slide Number Placeholder 6"/>
           <p:cNvSpPr>
             <a:spLocks noGrp="1"/>
           </p:cNvSpPr>
@@ -1300,7 +1656,7 @@
     </p:spTree>
     <p:extLst>
       <p:ext uri="{BB962C8B-B14F-4D97-AF65-F5344CB8AC3E}">
-        <p14:creationId xmlns:p14="http://schemas.microsoft.com/office/powerpoint/2010/main" val="2968089653"/>
+        <p14:creationId xmlns:p14="http://schemas.microsoft.com/office/powerpoint/2010/main" val="695474566"/>
       </p:ext>
     </p:extLst>
   </p:cSld>
@@ -1329,7 +1685,7 @@
       </p:grpSpPr>
       <p:sp>
         <p:nvSpPr>
-          <p:cNvPr id="2" name="Заголовок 1"/>
+          <p:cNvPr id="2" name="Title 1"/>
           <p:cNvSpPr>
             <a:spLocks noGrp="1"/>
           </p:cNvSpPr>
@@ -1339,8 +1695,8 @@
         </p:nvSpPr>
         <p:spPr>
           <a:xfrm>
-            <a:off x="839788" y="365125"/>
-            <a:ext cx="10515600" cy="1325563"/>
+            <a:off x="629841" y="365126"/>
+            <a:ext cx="7886700" cy="1325563"/>
           </a:xfrm>
         </p:spPr>
         <p:txBody>
@@ -1351,13 +1707,13 @@
               <a:rPr lang="ru-RU" smtClean="0"/>
               <a:t>Образец заголовка</a:t>
             </a:r>
-            <a:endParaRPr lang="en-US"/>
-          </a:p>
-        </p:txBody>
-      </p:sp>
-      <p:sp>
-        <p:nvSpPr>
-          <p:cNvPr id="3" name="Текст 2"/>
+            <a:endParaRPr lang="en-US" dirty="0"/>
+          </a:p>
+        </p:txBody>
+      </p:sp>
+      <p:sp>
+        <p:nvSpPr>
+          <p:cNvPr id="3" name="Text Placeholder 2"/>
           <p:cNvSpPr>
             <a:spLocks noGrp="1"/>
           </p:cNvSpPr>
@@ -1367,8 +1723,8 @@
         </p:nvSpPr>
         <p:spPr>
           <a:xfrm>
-            <a:off x="839788" y="1681163"/>
-            <a:ext cx="5157787" cy="823912"/>
+            <a:off x="629842" y="1681163"/>
+            <a:ext cx="3868340" cy="823912"/>
           </a:xfrm>
         </p:spPr>
         <p:txBody>
@@ -1422,7 +1778,7 @@
       </p:sp>
       <p:sp>
         <p:nvSpPr>
-          <p:cNvPr id="4" name="Объект 3"/>
+          <p:cNvPr id="4" name="Content Placeholder 3"/>
           <p:cNvSpPr>
             <a:spLocks noGrp="1"/>
           </p:cNvSpPr>
@@ -1432,8 +1788,8 @@
         </p:nvSpPr>
         <p:spPr>
           <a:xfrm>
-            <a:off x="839788" y="2505075"/>
-            <a:ext cx="5157787" cy="3684588"/>
+            <a:off x="629842" y="2505075"/>
+            <a:ext cx="3868340" cy="3684588"/>
           </a:xfrm>
         </p:spPr>
         <p:txBody>
@@ -1473,13 +1829,13 @@
               <a:rPr lang="ru-RU" smtClean="0"/>
               <a:t>Пятый уровень</a:t>
             </a:r>
-            <a:endParaRPr lang="en-US"/>
-          </a:p>
-        </p:txBody>
-      </p:sp>
-      <p:sp>
-        <p:nvSpPr>
-          <p:cNvPr id="5" name="Текст 4"/>
+            <a:endParaRPr lang="en-US" dirty="0"/>
+          </a:p>
+        </p:txBody>
+      </p:sp>
+      <p:sp>
+        <p:nvSpPr>
+          <p:cNvPr id="5" name="Text Placeholder 4"/>
           <p:cNvSpPr>
             <a:spLocks noGrp="1"/>
           </p:cNvSpPr>
@@ -1489,8 +1845,8 @@
         </p:nvSpPr>
         <p:spPr>
           <a:xfrm>
-            <a:off x="6172200" y="1681163"/>
-            <a:ext cx="5183188" cy="823912"/>
+            <a:off x="4629150" y="1681163"/>
+            <a:ext cx="3887391" cy="823912"/>
           </a:xfrm>
         </p:spPr>
         <p:txBody>
@@ -1544,7 +1900,7 @@
       </p:sp>
       <p:sp>
         <p:nvSpPr>
-          <p:cNvPr id="6" name="Объект 5"/>
+          <p:cNvPr id="6" name="Content Placeholder 5"/>
           <p:cNvSpPr>
             <a:spLocks noGrp="1"/>
           </p:cNvSpPr>
@@ -1554,8 +1910,8 @@
         </p:nvSpPr>
         <p:spPr>
           <a:xfrm>
-            <a:off x="6172200" y="2505075"/>
-            <a:ext cx="5183188" cy="3684588"/>
+            <a:off x="4629150" y="2505075"/>
+            <a:ext cx="3887391" cy="3684588"/>
           </a:xfrm>
         </p:spPr>
         <p:txBody>
@@ -1595,13 +1951,13 @@
               <a:rPr lang="ru-RU" smtClean="0"/>
               <a:t>Пятый уровень</a:t>
             </a:r>
-            <a:endParaRPr lang="en-US"/>
-          </a:p>
-        </p:txBody>
-      </p:sp>
-      <p:sp>
-        <p:nvSpPr>
-          <p:cNvPr id="7" name="Дата 6"/>
+            <a:endParaRPr lang="en-US" dirty="0"/>
+          </a:p>
+        </p:txBody>
+      </p:sp>
+      <p:sp>
+        <p:nvSpPr>
+          <p:cNvPr id="7" name="Date Placeholder 6"/>
           <p:cNvSpPr>
             <a:spLocks noGrp="1"/>
           </p:cNvSpPr>
@@ -1614,9 +1970,9 @@
           <a:bodyPr/>
           <a:lstStyle/>
           <a:p>
-            <a:fld id="{5ABB395E-A391-4B6B-BB3D-8FB0C57DC2A0}" type="datetimeFigureOut">
+            <a:fld id="{E29522BA-0F1E-4435-889C-FA0B563479FE}" type="datetime1">
               <a:rPr lang="en-US" smtClean="0"/>
-              <a:t>6/1/2023</a:t>
+              <a:t>6/5/2023</a:t>
             </a:fld>
             <a:endParaRPr lang="en-US"/>
           </a:p>
@@ -1624,7 +1980,7 @@
       </p:sp>
       <p:sp>
         <p:nvSpPr>
-          <p:cNvPr id="8" name="Нижний колонтитул 7"/>
+          <p:cNvPr id="8" name="Footer Placeholder 7"/>
           <p:cNvSpPr>
             <a:spLocks noGrp="1"/>
           </p:cNvSpPr>
@@ -1643,7 +1999,7 @@
       </p:sp>
       <p:sp>
         <p:nvSpPr>
-          <p:cNvPr id="9" name="Номер слайда 8"/>
+          <p:cNvPr id="9" name="Slide Number Placeholder 8"/>
           <p:cNvSpPr>
             <a:spLocks noGrp="1"/>
           </p:cNvSpPr>
@@ -1667,7 +2023,7 @@
     </p:spTree>
     <p:extLst>
       <p:ext uri="{BB962C8B-B14F-4D97-AF65-F5344CB8AC3E}">
-        <p14:creationId xmlns:p14="http://schemas.microsoft.com/office/powerpoint/2010/main" val="1265757456"/>
+        <p14:creationId xmlns:p14="http://schemas.microsoft.com/office/powerpoint/2010/main" val="570649515"/>
       </p:ext>
     </p:extLst>
   </p:cSld>
@@ -1696,7 +2052,7 @@
       </p:grpSpPr>
       <p:sp>
         <p:nvSpPr>
-          <p:cNvPr id="2" name="Заголовок 1"/>
+          <p:cNvPr id="2" name="Title 1"/>
           <p:cNvSpPr>
             <a:spLocks noGrp="1"/>
           </p:cNvSpPr>
@@ -1713,13 +2069,13 @@
               <a:rPr lang="ru-RU" smtClean="0"/>
               <a:t>Образец заголовка</a:t>
             </a:r>
-            <a:endParaRPr lang="en-US"/>
-          </a:p>
-        </p:txBody>
-      </p:sp>
-      <p:sp>
-        <p:nvSpPr>
-          <p:cNvPr id="3" name="Дата 2"/>
+            <a:endParaRPr lang="en-US" dirty="0"/>
+          </a:p>
+        </p:txBody>
+      </p:sp>
+      <p:sp>
+        <p:nvSpPr>
+          <p:cNvPr id="3" name="Date Placeholder 2"/>
           <p:cNvSpPr>
             <a:spLocks noGrp="1"/>
           </p:cNvSpPr>
@@ -1732,9 +2088,9 @@
           <a:bodyPr/>
           <a:lstStyle/>
           <a:p>
-            <a:fld id="{5ABB395E-A391-4B6B-BB3D-8FB0C57DC2A0}" type="datetimeFigureOut">
+            <a:fld id="{AED24F84-8831-4805-94EE-2C99A17414F3}" type="datetime1">
               <a:rPr lang="en-US" smtClean="0"/>
-              <a:t>6/1/2023</a:t>
+              <a:t>6/5/2023</a:t>
             </a:fld>
             <a:endParaRPr lang="en-US"/>
           </a:p>
@@ -1742,7 +2098,7 @@
       </p:sp>
       <p:sp>
         <p:nvSpPr>
-          <p:cNvPr id="4" name="Нижний колонтитул 3"/>
+          <p:cNvPr id="4" name="Footer Placeholder 3"/>
           <p:cNvSpPr>
             <a:spLocks noGrp="1"/>
           </p:cNvSpPr>
@@ -1761,7 +2117,7 @@
       </p:sp>
       <p:sp>
         <p:nvSpPr>
-          <p:cNvPr id="5" name="Номер слайда 4"/>
+          <p:cNvPr id="5" name="Slide Number Placeholder 4"/>
           <p:cNvSpPr>
             <a:spLocks noGrp="1"/>
           </p:cNvSpPr>
@@ -1785,7 +2141,7 @@
     </p:spTree>
     <p:extLst>
       <p:ext uri="{BB962C8B-B14F-4D97-AF65-F5344CB8AC3E}">
-        <p14:creationId xmlns:p14="http://schemas.microsoft.com/office/powerpoint/2010/main" val="1490473860"/>
+        <p14:creationId xmlns:p14="http://schemas.microsoft.com/office/powerpoint/2010/main" val="1348676395"/>
       </p:ext>
     </p:extLst>
   </p:cSld>
@@ -1814,7 +2170,7 @@
       </p:grpSpPr>
       <p:sp>
         <p:nvSpPr>
-          <p:cNvPr id="2" name="Дата 1"/>
+          <p:cNvPr id="2" name="Date Placeholder 1"/>
           <p:cNvSpPr>
             <a:spLocks noGrp="1"/>
           </p:cNvSpPr>
@@ -1827,9 +2183,9 @@
           <a:bodyPr/>
           <a:lstStyle/>
           <a:p>
-            <a:fld id="{5ABB395E-A391-4B6B-BB3D-8FB0C57DC2A0}" type="datetimeFigureOut">
+            <a:fld id="{64F26CEE-EADA-42B3-A404-2E3C9572BEFB}" type="datetime1">
               <a:rPr lang="en-US" smtClean="0"/>
-              <a:t>6/1/2023</a:t>
+              <a:t>6/5/2023</a:t>
             </a:fld>
             <a:endParaRPr lang="en-US"/>
           </a:p>
@@ -1837,7 +2193,7 @@
       </p:sp>
       <p:sp>
         <p:nvSpPr>
-          <p:cNvPr id="3" name="Нижний колонтитул 2"/>
+          <p:cNvPr id="3" name="Footer Placeholder 2"/>
           <p:cNvSpPr>
             <a:spLocks noGrp="1"/>
           </p:cNvSpPr>
@@ -1856,7 +2212,7 @@
       </p:sp>
       <p:sp>
         <p:nvSpPr>
-          <p:cNvPr id="4" name="Номер слайда 3"/>
+          <p:cNvPr id="4" name="Slide Number Placeholder 3"/>
           <p:cNvSpPr>
             <a:spLocks noGrp="1"/>
           </p:cNvSpPr>
@@ -1880,7 +2236,7 @@
     </p:spTree>
     <p:extLst>
       <p:ext uri="{BB962C8B-B14F-4D97-AF65-F5344CB8AC3E}">
-        <p14:creationId xmlns:p14="http://schemas.microsoft.com/office/powerpoint/2010/main" val="3646900771"/>
+        <p14:creationId xmlns:p14="http://schemas.microsoft.com/office/powerpoint/2010/main" val="19896329"/>
       </p:ext>
     </p:extLst>
   </p:cSld>
@@ -1909,7 +2265,7 @@
       </p:grpSpPr>
       <p:sp>
         <p:nvSpPr>
-          <p:cNvPr id="2" name="Заголовок 1"/>
+          <p:cNvPr id="2" name="Title 1"/>
           <p:cNvSpPr>
             <a:spLocks noGrp="1"/>
           </p:cNvSpPr>
@@ -1919,8 +2275,8 @@
         </p:nvSpPr>
         <p:spPr>
           <a:xfrm>
-            <a:off x="839788" y="457200"/>
-            <a:ext cx="3932237" cy="1600200"/>
+            <a:off x="629841" y="457200"/>
+            <a:ext cx="2949178" cy="1600200"/>
           </a:xfrm>
         </p:spPr>
         <p:txBody>
@@ -1935,13 +2291,13 @@
               <a:rPr lang="ru-RU" smtClean="0"/>
               <a:t>Образец заголовка</a:t>
             </a:r>
-            <a:endParaRPr lang="en-US"/>
-          </a:p>
-        </p:txBody>
-      </p:sp>
-      <p:sp>
-        <p:nvSpPr>
-          <p:cNvPr id="3" name="Объект 2"/>
+            <a:endParaRPr lang="en-US" dirty="0"/>
+          </a:p>
+        </p:txBody>
+      </p:sp>
+      <p:sp>
+        <p:nvSpPr>
+          <p:cNvPr id="3" name="Content Placeholder 2"/>
           <p:cNvSpPr>
             <a:spLocks noGrp="1"/>
           </p:cNvSpPr>
@@ -1951,8 +2307,8 @@
         </p:nvSpPr>
         <p:spPr>
           <a:xfrm>
-            <a:off x="5183188" y="987425"/>
-            <a:ext cx="6172200" cy="4873625"/>
+            <a:off x="3887391" y="987426"/>
+            <a:ext cx="4629150" cy="4873625"/>
           </a:xfrm>
         </p:spPr>
         <p:txBody>
@@ -2020,13 +2376,13 @@
               <a:rPr lang="ru-RU" smtClean="0"/>
               <a:t>Пятый уровень</a:t>
             </a:r>
-            <a:endParaRPr lang="en-US"/>
-          </a:p>
-        </p:txBody>
-      </p:sp>
-      <p:sp>
-        <p:nvSpPr>
-          <p:cNvPr id="4" name="Текст 3"/>
+            <a:endParaRPr lang="en-US" dirty="0"/>
+          </a:p>
+        </p:txBody>
+      </p:sp>
+      <p:sp>
+        <p:nvSpPr>
+          <p:cNvPr id="4" name="Text Placeholder 3"/>
           <p:cNvSpPr>
             <a:spLocks noGrp="1"/>
           </p:cNvSpPr>
@@ -2036,8 +2392,8 @@
         </p:nvSpPr>
         <p:spPr>
           <a:xfrm>
-            <a:off x="839788" y="2057400"/>
-            <a:ext cx="3932237" cy="3811588"/>
+            <a:off x="629841" y="2057400"/>
+            <a:ext cx="2949178" cy="3811588"/>
           </a:xfrm>
         </p:spPr>
         <p:txBody>
@@ -2091,7 +2447,7 @@
       </p:sp>
       <p:sp>
         <p:nvSpPr>
-          <p:cNvPr id="5" name="Дата 4"/>
+          <p:cNvPr id="5" name="Date Placeholder 4"/>
           <p:cNvSpPr>
             <a:spLocks noGrp="1"/>
           </p:cNvSpPr>
@@ -2104,9 +2460,9 @@
           <a:bodyPr/>
           <a:lstStyle/>
           <a:p>
-            <a:fld id="{5ABB395E-A391-4B6B-BB3D-8FB0C57DC2A0}" type="datetimeFigureOut">
+            <a:fld id="{88C3CCD0-025E-475A-B724-52D3143B9CCD}" type="datetime1">
               <a:rPr lang="en-US" smtClean="0"/>
-              <a:t>6/1/2023</a:t>
+              <a:t>6/5/2023</a:t>
             </a:fld>
             <a:endParaRPr lang="en-US"/>
           </a:p>
@@ -2114,7 +2470,7 @@
       </p:sp>
       <p:sp>
         <p:nvSpPr>
-          <p:cNvPr id="6" name="Нижний колонтитул 5"/>
+          <p:cNvPr id="6" name="Footer Placeholder 5"/>
           <p:cNvSpPr>
             <a:spLocks noGrp="1"/>
           </p:cNvSpPr>
@@ -2133,7 +2489,7 @@
       </p:sp>
       <p:sp>
         <p:nvSpPr>
-          <p:cNvPr id="7" name="Номер слайда 6"/>
+          <p:cNvPr id="7" name="Slide Number Placeholder 6"/>
           <p:cNvSpPr>
             <a:spLocks noGrp="1"/>
           </p:cNvSpPr>
@@ -2157,7 +2513,7 @@
     </p:spTree>
     <p:extLst>
       <p:ext uri="{BB962C8B-B14F-4D97-AF65-F5344CB8AC3E}">
-        <p14:creationId xmlns:p14="http://schemas.microsoft.com/office/powerpoint/2010/main" val="3902321132"/>
+        <p14:creationId xmlns:p14="http://schemas.microsoft.com/office/powerpoint/2010/main" val="940381537"/>
       </p:ext>
     </p:extLst>
   </p:cSld>
@@ -2186,7 +2542,7 @@
       </p:grpSpPr>
       <p:sp>
         <p:nvSpPr>
-          <p:cNvPr id="2" name="Заголовок 1"/>
+          <p:cNvPr id="2" name="Title 1"/>
           <p:cNvSpPr>
             <a:spLocks noGrp="1"/>
           </p:cNvSpPr>
@@ -2196,8 +2552,8 @@
         </p:nvSpPr>
         <p:spPr>
           <a:xfrm>
-            <a:off x="839788" y="457200"/>
-            <a:ext cx="3932237" cy="1600200"/>
+            <a:off x="629841" y="457200"/>
+            <a:ext cx="2949178" cy="1600200"/>
           </a:xfrm>
         </p:spPr>
         <p:txBody>
@@ -2212,15 +2568,15 @@
               <a:rPr lang="ru-RU" smtClean="0"/>
               <a:t>Образец заголовка</a:t>
             </a:r>
-            <a:endParaRPr lang="en-US"/>
-          </a:p>
-        </p:txBody>
-      </p:sp>
-      <p:sp>
-        <p:nvSpPr>
-          <p:cNvPr id="3" name="Рисунок 2"/>
-          <p:cNvSpPr>
-            <a:spLocks noGrp="1"/>
+            <a:endParaRPr lang="en-US" dirty="0"/>
+          </a:p>
+        </p:txBody>
+      </p:sp>
+      <p:sp>
+        <p:nvSpPr>
+          <p:cNvPr id="3" name="Picture Placeholder 2"/>
+          <p:cNvSpPr>
+            <a:spLocks noGrp="1" noChangeAspect="1"/>
           </p:cNvSpPr>
           <p:nvPr>
             <p:ph type="pic" idx="1"/>
@@ -2228,8 +2584,73 @@
         </p:nvSpPr>
         <p:spPr>
           <a:xfrm>
-            <a:off x="5183188" y="987425"/>
-            <a:ext cx="6172200" cy="4873625"/>
+            <a:off x="3887391" y="987426"/>
+            <a:ext cx="4629150" cy="4873625"/>
+          </a:xfrm>
+        </p:spPr>
+        <p:txBody>
+          <a:bodyPr anchor="t"/>
+          <a:lstStyle>
+            <a:lvl1pPr marL="0" indent="0">
+              <a:buNone/>
+              <a:defRPr sz="3200"/>
+            </a:lvl1pPr>
+            <a:lvl2pPr marL="457200" indent="0">
+              <a:buNone/>
+              <a:defRPr sz="2800"/>
+            </a:lvl2pPr>
+            <a:lvl3pPr marL="914400" indent="0">
+              <a:buNone/>
+              <a:defRPr sz="2400"/>
+            </a:lvl3pPr>
+            <a:lvl4pPr marL="1371600" indent="0">
+              <a:buNone/>
+              <a:defRPr sz="2000"/>
+            </a:lvl4pPr>
+            <a:lvl5pPr marL="1828800" indent="0">
+              <a:buNone/>
+              <a:defRPr sz="2000"/>
+            </a:lvl5pPr>
+            <a:lvl6pPr marL="2286000" indent="0">
+              <a:buNone/>
+              <a:defRPr sz="2000"/>
+            </a:lvl6pPr>
+            <a:lvl7pPr marL="2743200" indent="0">
+              <a:buNone/>
+              <a:defRPr sz="2000"/>
+            </a:lvl7pPr>
+            <a:lvl8pPr marL="3200400" indent="0">
+              <a:buNone/>
+              <a:defRPr sz="2000"/>
+            </a:lvl8pPr>
+            <a:lvl9pPr marL="3657600" indent="0">
+              <a:buNone/>
+              <a:defRPr sz="2000"/>
+            </a:lvl9pPr>
+          </a:lstStyle>
+          <a:p>
+            <a:r>
+              <a:rPr lang="ru-RU" smtClean="0"/>
+              <a:t>Вставка рисунка</a:t>
+            </a:r>
+            <a:endParaRPr lang="en-US" dirty="0"/>
+          </a:p>
+        </p:txBody>
+      </p:sp>
+      <p:sp>
+        <p:nvSpPr>
+          <p:cNvPr id="4" name="Text Placeholder 3"/>
+          <p:cNvSpPr>
+            <a:spLocks noGrp="1"/>
+          </p:cNvSpPr>
+          <p:nvPr>
+            <p:ph type="body" sz="half" idx="2"/>
+          </p:nvPr>
+        </p:nvSpPr>
+        <p:spPr>
+          <a:xfrm>
+            <a:off x="629841" y="2057400"/>
+            <a:ext cx="2949178" cy="3811588"/>
           </a:xfrm>
         </p:spPr>
         <p:txBody>
@@ -2237,67 +2658,6 @@
           <a:lstStyle>
             <a:lvl1pPr marL="0" indent="0">
               <a:buNone/>
-              <a:defRPr sz="3200"/>
-            </a:lvl1pPr>
-            <a:lvl2pPr marL="457200" indent="0">
-              <a:buNone/>
-              <a:defRPr sz="2800"/>
-            </a:lvl2pPr>
-            <a:lvl3pPr marL="914400" indent="0">
-              <a:buNone/>
-              <a:defRPr sz="2400"/>
-            </a:lvl3pPr>
-            <a:lvl4pPr marL="1371600" indent="0">
-              <a:buNone/>
-              <a:defRPr sz="2000"/>
-            </a:lvl4pPr>
-            <a:lvl5pPr marL="1828800" indent="0">
-              <a:buNone/>
-              <a:defRPr sz="2000"/>
-            </a:lvl5pPr>
-            <a:lvl6pPr marL="2286000" indent="0">
-              <a:buNone/>
-              <a:defRPr sz="2000"/>
-            </a:lvl6pPr>
-            <a:lvl7pPr marL="2743200" indent="0">
-              <a:buNone/>
-              <a:defRPr sz="2000"/>
-            </a:lvl7pPr>
-            <a:lvl8pPr marL="3200400" indent="0">
-              <a:buNone/>
-              <a:defRPr sz="2000"/>
-            </a:lvl8pPr>
-            <a:lvl9pPr marL="3657600" indent="0">
-              <a:buNone/>
-              <a:defRPr sz="2000"/>
-            </a:lvl9pPr>
-          </a:lstStyle>
-          <a:p>
-            <a:endParaRPr lang="en-US"/>
-          </a:p>
-        </p:txBody>
-      </p:sp>
-      <p:sp>
-        <p:nvSpPr>
-          <p:cNvPr id="4" name="Текст 3"/>
-          <p:cNvSpPr>
-            <a:spLocks noGrp="1"/>
-          </p:cNvSpPr>
-          <p:nvPr>
-            <p:ph type="body" sz="half" idx="2"/>
-          </p:nvPr>
-        </p:nvSpPr>
-        <p:spPr>
-          <a:xfrm>
-            <a:off x="839788" y="2057400"/>
-            <a:ext cx="3932237" cy="3811588"/>
-          </a:xfrm>
-        </p:spPr>
-        <p:txBody>
-          <a:bodyPr/>
-          <a:lstStyle>
-            <a:lvl1pPr marL="0" indent="0">
-              <a:buNone/>
               <a:defRPr sz="1600"/>
             </a:lvl1pPr>
             <a:lvl2pPr marL="457200" indent="0">
@@ -2344,7 +2704,7 @@
       </p:sp>
       <p:sp>
         <p:nvSpPr>
-          <p:cNvPr id="5" name="Дата 4"/>
+          <p:cNvPr id="5" name="Date Placeholder 4"/>
           <p:cNvSpPr>
             <a:spLocks noGrp="1"/>
           </p:cNvSpPr>
@@ -2357,9 +2717,9 @@
           <a:bodyPr/>
           <a:lstStyle/>
           <a:p>
-            <a:fld id="{5ABB395E-A391-4B6B-BB3D-8FB0C57DC2A0}" type="datetimeFigureOut">
+            <a:fld id="{570812EE-B00A-4BBC-A871-9D9933A352CA}" type="datetime1">
               <a:rPr lang="en-US" smtClean="0"/>
-              <a:t>6/1/2023</a:t>
+              <a:t>6/5/2023</a:t>
             </a:fld>
             <a:endParaRPr lang="en-US"/>
           </a:p>
@@ -2367,7 +2727,7 @@
       </p:sp>
       <p:sp>
         <p:nvSpPr>
-          <p:cNvPr id="6" name="Нижний колонтитул 5"/>
+          <p:cNvPr id="6" name="Footer Placeholder 5"/>
           <p:cNvSpPr>
             <a:spLocks noGrp="1"/>
           </p:cNvSpPr>
@@ -2386,7 +2746,7 @@
       </p:sp>
       <p:sp>
         <p:nvSpPr>
-          <p:cNvPr id="7" name="Номер слайда 6"/>
+          <p:cNvPr id="7" name="Slide Number Placeholder 6"/>
           <p:cNvSpPr>
             <a:spLocks noGrp="1"/>
           </p:cNvSpPr>
@@ -2410,7 +2770,7 @@
     </p:spTree>
     <p:extLst>
       <p:ext uri="{BB962C8B-B14F-4D97-AF65-F5344CB8AC3E}">
-        <p14:creationId xmlns:p14="http://schemas.microsoft.com/office/powerpoint/2010/main" val="215592907"/>
+        <p14:creationId xmlns:p14="http://schemas.microsoft.com/office/powerpoint/2010/main" val="3318317452"/>
       </p:ext>
     </p:extLst>
   </p:cSld>
@@ -2444,7 +2804,7 @@
       </p:grpSpPr>
       <p:sp>
         <p:nvSpPr>
-          <p:cNvPr id="2" name="Заголовок 1"/>
+          <p:cNvPr id="2" name="Title Placeholder 1"/>
           <p:cNvSpPr>
             <a:spLocks noGrp="1"/>
           </p:cNvSpPr>
@@ -2454,8 +2814,8 @@
         </p:nvSpPr>
         <p:spPr>
           <a:xfrm>
-            <a:off x="838200" y="365125"/>
-            <a:ext cx="10515600" cy="1325563"/>
+            <a:off x="628650" y="365126"/>
+            <a:ext cx="7886700" cy="1325563"/>
           </a:xfrm>
           <a:prstGeom prst="rect">
             <a:avLst/>
@@ -2471,13 +2831,13 @@
               <a:rPr lang="ru-RU" smtClean="0"/>
               <a:t>Образец заголовка</a:t>
             </a:r>
-            <a:endParaRPr lang="en-US"/>
-          </a:p>
-        </p:txBody>
-      </p:sp>
-      <p:sp>
-        <p:nvSpPr>
-          <p:cNvPr id="3" name="Текст 2"/>
+            <a:endParaRPr lang="en-US" dirty="0"/>
+          </a:p>
+        </p:txBody>
+      </p:sp>
+      <p:sp>
+        <p:nvSpPr>
+          <p:cNvPr id="3" name="Text Placeholder 2"/>
           <p:cNvSpPr>
             <a:spLocks noGrp="1"/>
           </p:cNvSpPr>
@@ -2487,8 +2847,8 @@
         </p:nvSpPr>
         <p:spPr>
           <a:xfrm>
-            <a:off x="838200" y="1825625"/>
-            <a:ext cx="10515600" cy="4351338"/>
+            <a:off x="628650" y="1825625"/>
+            <a:ext cx="7886700" cy="4351338"/>
           </a:xfrm>
           <a:prstGeom prst="rect">
             <a:avLst/>
@@ -2533,13 +2893,13 @@
               <a:rPr lang="ru-RU" smtClean="0"/>
               <a:t>Пятый уровень</a:t>
             </a:r>
-            <a:endParaRPr lang="en-US"/>
-          </a:p>
-        </p:txBody>
-      </p:sp>
-      <p:sp>
-        <p:nvSpPr>
-          <p:cNvPr id="4" name="Дата 3"/>
+            <a:endParaRPr lang="en-US" dirty="0"/>
+          </a:p>
+        </p:txBody>
+      </p:sp>
+      <p:sp>
+        <p:nvSpPr>
+          <p:cNvPr id="4" name="Date Placeholder 3"/>
           <p:cNvSpPr>
             <a:spLocks noGrp="1"/>
           </p:cNvSpPr>
@@ -2549,8 +2909,8 @@
         </p:nvSpPr>
         <p:spPr>
           <a:xfrm>
-            <a:off x="838200" y="6356350"/>
-            <a:ext cx="2743200" cy="365125"/>
+            <a:off x="628650" y="6356351"/>
+            <a:ext cx="2057400" cy="365125"/>
           </a:xfrm>
           <a:prstGeom prst="rect">
             <a:avLst/>
@@ -2570,9 +2930,9 @@
             </a:lvl1pPr>
           </a:lstStyle>
           <a:p>
-            <a:fld id="{5ABB395E-A391-4B6B-BB3D-8FB0C57DC2A0}" type="datetimeFigureOut">
+            <a:fld id="{2B6E739F-C54E-47B7-BDD1-9C23AE3B310A}" type="datetime1">
               <a:rPr lang="en-US" smtClean="0"/>
-              <a:t>6/1/2023</a:t>
+              <a:t>6/5/2023</a:t>
             </a:fld>
             <a:endParaRPr lang="en-US"/>
           </a:p>
@@ -2580,7 +2940,7 @@
       </p:sp>
       <p:sp>
         <p:nvSpPr>
-          <p:cNvPr id="5" name="Нижний колонтитул 4"/>
+          <p:cNvPr id="5" name="Footer Placeholder 4"/>
           <p:cNvSpPr>
             <a:spLocks noGrp="1"/>
           </p:cNvSpPr>
@@ -2590,8 +2950,8 @@
         </p:nvSpPr>
         <p:spPr>
           <a:xfrm>
-            <a:off x="4038600" y="6356350"/>
-            <a:ext cx="4114800" cy="365125"/>
+            <a:off x="3028950" y="6356351"/>
+            <a:ext cx="3086100" cy="365125"/>
           </a:xfrm>
           <a:prstGeom prst="rect">
             <a:avLst/>
@@ -2617,7 +2977,7 @@
       </p:sp>
       <p:sp>
         <p:nvSpPr>
-          <p:cNvPr id="6" name="Номер слайда 5"/>
+          <p:cNvPr id="6" name="Slide Number Placeholder 5"/>
           <p:cNvSpPr>
             <a:spLocks noGrp="1"/>
           </p:cNvSpPr>
@@ -2627,8 +2987,8 @@
         </p:nvSpPr>
         <p:spPr>
           <a:xfrm>
-            <a:off x="8610600" y="6356350"/>
-            <a:ext cx="2743200" cy="365125"/>
+            <a:off x="6457950" y="6356351"/>
+            <a:ext cx="2057400" cy="365125"/>
           </a:xfrm>
           <a:prstGeom prst="rect">
             <a:avLst/>
@@ -2659,24 +3019,25 @@
     </p:spTree>
     <p:extLst>
       <p:ext uri="{BB962C8B-B14F-4D97-AF65-F5344CB8AC3E}">
-        <p14:creationId xmlns:p14="http://schemas.microsoft.com/office/powerpoint/2010/main" val="1468352749"/>
+        <p14:creationId xmlns:p14="http://schemas.microsoft.com/office/powerpoint/2010/main" val="4288608177"/>
       </p:ext>
     </p:extLst>
   </p:cSld>
   <p:clrMap bg1="lt1" tx1="dk1" bg2="lt2" tx2="dk2" accent1="accent1" accent2="accent2" accent3="accent3" accent4="accent4" accent5="accent5" accent6="accent6" hlink="hlink" folHlink="folHlink"/>
   <p:sldLayoutIdLst>
-    <p:sldLayoutId id="2147483649" r:id="rId1"/>
-    <p:sldLayoutId id="2147483650" r:id="rId2"/>
-    <p:sldLayoutId id="2147483651" r:id="rId3"/>
-    <p:sldLayoutId id="2147483652" r:id="rId4"/>
-    <p:sldLayoutId id="2147483653" r:id="rId5"/>
-    <p:sldLayoutId id="2147483654" r:id="rId6"/>
-    <p:sldLayoutId id="2147483655" r:id="rId7"/>
-    <p:sldLayoutId id="2147483656" r:id="rId8"/>
-    <p:sldLayoutId id="2147483657" r:id="rId9"/>
-    <p:sldLayoutId id="2147483658" r:id="rId10"/>
-    <p:sldLayoutId id="2147483659" r:id="rId11"/>
+    <p:sldLayoutId id="2147483661" r:id="rId1"/>
+    <p:sldLayoutId id="2147483662" r:id="rId2"/>
+    <p:sldLayoutId id="2147483663" r:id="rId3"/>
+    <p:sldLayoutId id="2147483664" r:id="rId4"/>
+    <p:sldLayoutId id="2147483665" r:id="rId5"/>
+    <p:sldLayoutId id="2147483666" r:id="rId6"/>
+    <p:sldLayoutId id="2147483667" r:id="rId7"/>
+    <p:sldLayoutId id="2147483668" r:id="rId8"/>
+    <p:sldLayoutId id="2147483669" r:id="rId9"/>
+    <p:sldLayoutId id="2147483670" r:id="rId10"/>
+    <p:sldLayoutId id="2147483671" r:id="rId11"/>
   </p:sldLayoutIdLst>
+  <p:hf hdr="0" ftr="0" dt="0"/>
   <p:txStyles>
     <p:titleStyle>
       <a:lvl1pPr algn="l" defTabSz="914400" rtl="0" eaLnBrk="1" latinLnBrk="0" hangingPunct="1">
@@ -2989,12 +3350,14 @@
         </p:nvSpPr>
         <p:spPr>
           <a:xfrm>
-            <a:off x="1524000" y="469530"/>
-            <a:ext cx="9144000" cy="2387600"/>
+            <a:off x="1143000" y="1209398"/>
+            <a:ext cx="6858000" cy="1790700"/>
           </a:xfrm>
         </p:spPr>
         <p:txBody>
-          <a:bodyPr/>
+          <a:bodyPr>
+            <a:normAutofit fontScale="90000"/>
+          </a:bodyPr>
           <a:lstStyle/>
           <a:p>
             <a:r>
@@ -3024,12 +3387,14 @@
         </p:nvSpPr>
         <p:spPr>
           <a:xfrm>
-            <a:off x="1524000" y="3424485"/>
-            <a:ext cx="9144000" cy="1032106"/>
+            <a:off x="1143000" y="3425614"/>
+            <a:ext cx="6858000" cy="774080"/>
           </a:xfrm>
         </p:spPr>
         <p:txBody>
-          <a:bodyPr/>
+          <a:bodyPr>
+            <a:normAutofit fontScale="77500" lnSpcReduction="20000"/>
+          </a:bodyPr>
           <a:lstStyle/>
           <a:p>
             <a:r>
@@ -3056,15 +3421,15 @@
         </p:nvSpPr>
         <p:spPr>
           <a:xfrm>
-            <a:off x="1524000" y="5023946"/>
-            <a:ext cx="9144000" cy="1032106"/>
+            <a:off x="1143000" y="4625209"/>
+            <a:ext cx="6858000" cy="774080"/>
           </a:xfrm>
           <a:prstGeom prst="rect">
             <a:avLst/>
           </a:prstGeom>
         </p:spPr>
         <p:txBody>
-          <a:bodyPr vert="horz" lIns="91440" tIns="45720" rIns="91440" bIns="45720" rtlCol="0">
+          <a:bodyPr vert="horz" lIns="68580" tIns="34290" rIns="68580" bIns="34290" rtlCol="0">
             <a:normAutofit/>
           </a:bodyPr>
           <a:lstStyle>
@@ -3233,10 +3598,10 @@
           </a:lstStyle>
           <a:p>
             <a:r>
-              <a:rPr lang="ru-RU" dirty="0" smtClean="0"/>
+              <a:rPr lang="ru-RU" sz="1800" dirty="0"/>
               <a:t>Пенза 2023</a:t>
             </a:r>
-            <a:endParaRPr lang="en-US" dirty="0"/>
+            <a:endParaRPr lang="en-US" sz="1800" dirty="0"/>
           </a:p>
         </p:txBody>
       </p:sp>
@@ -3289,7 +3654,9 @@
         </p:nvSpPr>
         <p:spPr/>
         <p:txBody>
-          <a:bodyPr/>
+          <a:bodyPr>
+            <a:normAutofit fontScale="90000"/>
+          </a:bodyPr>
           <a:lstStyle/>
           <a:p>
             <a:r>
@@ -3297,6 +3664,29 @@
               <a:t>Разработка удобной архитектуры хранения информации</a:t>
             </a:r>
             <a:endParaRPr lang="en-US" dirty="0"/>
+          </a:p>
+        </p:txBody>
+      </p:sp>
+      <p:sp>
+        <p:nvSpPr>
+          <p:cNvPr id="3" name="Номер слайда 2"/>
+          <p:cNvSpPr>
+            <a:spLocks noGrp="1"/>
+          </p:cNvSpPr>
+          <p:nvPr>
+            <p:ph type="sldNum" sz="quarter" idx="12"/>
+          </p:nvPr>
+        </p:nvSpPr>
+        <p:spPr/>
+        <p:txBody>
+          <a:bodyPr/>
+          <a:lstStyle/>
+          <a:p>
+            <a:fld id="{69C02A4C-CFC3-41FE-AE16-57E9D24E0734}" type="slidenum">
+              <a:rPr lang="en-US" smtClean="0"/>
+              <a:t>10</a:t>
+            </a:fld>
+            <a:endParaRPr lang="en-US"/>
           </a:p>
         </p:txBody>
       </p:sp>
@@ -3316,8 +3706,8 @@
         </p:blipFill>
         <p:spPr>
           <a:xfrm>
-            <a:off x="2018509" y="2040973"/>
-            <a:ext cx="8297344" cy="2923264"/>
+            <a:off x="522117" y="2103893"/>
+            <a:ext cx="8416533" cy="2965256"/>
           </a:xfrm>
           <a:prstGeom prst="rect">
             <a:avLst/>
@@ -3396,12 +3786,14 @@
         </p:nvSpPr>
         <p:spPr>
           <a:xfrm>
-            <a:off x="740545" y="1690688"/>
-            <a:ext cx="10515600" cy="1050740"/>
+            <a:off x="564286" y="1605322"/>
+            <a:ext cx="7886700" cy="788055"/>
           </a:xfrm>
         </p:spPr>
         <p:txBody>
-          <a:bodyPr/>
+          <a:bodyPr>
+            <a:normAutofit fontScale="92500" lnSpcReduction="20000"/>
+          </a:bodyPr>
           <a:lstStyle/>
           <a:p>
             <a:pPr marL="0" indent="0">
@@ -3418,19 +3810,15 @@
               <a:buNone/>
             </a:pPr>
             <a:r>
-              <a:rPr lang="en-US" dirty="0" err="1" smtClean="0"/>
-              <a:t>FileManager</a:t>
-            </a:r>
-            <a:r>
               <a:rPr lang="en-US" dirty="0" smtClean="0"/>
-              <a:t> </a:t>
+              <a:t>FileManager </a:t>
             </a:r>
             <a:r>
               <a:rPr lang="ru-RU" dirty="0"/>
               <a:t>и </a:t>
             </a:r>
             <a:r>
-              <a:rPr lang="en-US" dirty="0" err="1"/>
+              <a:rPr lang="en-US" dirty="0"/>
               <a:t>FileEncryptor</a:t>
             </a:r>
             <a:r>
@@ -3444,6 +3832,29 @@
               <a:buNone/>
             </a:pPr>
             <a:endParaRPr lang="en-US" dirty="0"/>
+          </a:p>
+        </p:txBody>
+      </p:sp>
+      <p:sp>
+        <p:nvSpPr>
+          <p:cNvPr id="5" name="Номер слайда 4"/>
+          <p:cNvSpPr>
+            <a:spLocks noGrp="1"/>
+          </p:cNvSpPr>
+          <p:nvPr>
+            <p:ph type="sldNum" sz="quarter" idx="12"/>
+          </p:nvPr>
+        </p:nvSpPr>
+        <p:spPr/>
+        <p:txBody>
+          <a:bodyPr/>
+          <a:lstStyle/>
+          <a:p>
+            <a:fld id="{69C02A4C-CFC3-41FE-AE16-57E9D24E0734}" type="slidenum">
+              <a:rPr lang="en-US" smtClean="0"/>
+              <a:t>11</a:t>
+            </a:fld>
+            <a:endParaRPr lang="en-US"/>
           </a:p>
         </p:txBody>
       </p:sp>
@@ -3463,8 +3874,8 @@
         </p:blipFill>
         <p:spPr>
           <a:xfrm>
-            <a:off x="2703519" y="3350780"/>
-            <a:ext cx="6782690" cy="2153374"/>
+            <a:off x="917931" y="2748898"/>
+            <a:ext cx="7671838" cy="2435662"/>
           </a:xfrm>
           <a:prstGeom prst="rect">
             <a:avLst/>
@@ -3518,7 +3929,12 @@
             <p:ph type="title"/>
           </p:nvPr>
         </p:nvSpPr>
-        <p:spPr/>
+        <p:spPr>
+          <a:xfrm>
+            <a:off x="1275426" y="400780"/>
+            <a:ext cx="6257020" cy="761717"/>
+          </a:xfrm>
+        </p:spPr>
         <p:txBody>
           <a:bodyPr/>
           <a:lstStyle/>
@@ -3528,6 +3944,29 @@
               <a:t>Графический интерфейс</a:t>
             </a:r>
             <a:endParaRPr lang="en-US" dirty="0"/>
+          </a:p>
+        </p:txBody>
+      </p:sp>
+      <p:sp>
+        <p:nvSpPr>
+          <p:cNvPr id="3" name="Номер слайда 2"/>
+          <p:cNvSpPr>
+            <a:spLocks noGrp="1"/>
+          </p:cNvSpPr>
+          <p:nvPr>
+            <p:ph type="sldNum" sz="quarter" idx="12"/>
+          </p:nvPr>
+        </p:nvSpPr>
+        <p:spPr/>
+        <p:txBody>
+          <a:bodyPr/>
+          <a:lstStyle/>
+          <a:p>
+            <a:fld id="{69C02A4C-CFC3-41FE-AE16-57E9D24E0734}" type="slidenum">
+              <a:rPr lang="en-US" smtClean="0"/>
+              <a:t>12</a:t>
+            </a:fld>
+            <a:endParaRPr lang="en-US"/>
           </a:p>
         </p:txBody>
       </p:sp>
@@ -3546,32 +3985,8 @@
         </p:blipFill>
         <p:spPr>
           <a:xfrm>
-            <a:off x="185446" y="1779603"/>
-            <a:ext cx="5334068" cy="3848839"/>
-          </a:xfrm>
-          <a:prstGeom prst="rect">
-            <a:avLst/>
-          </a:prstGeom>
-        </p:spPr>
-      </p:pic>
-      <p:pic>
-        <p:nvPicPr>
-          <p:cNvPr id="7" name="Рисунок 6"/>
-          <p:cNvPicPr>
-            <a:picLocks noChangeAspect="1"/>
-          </p:cNvPicPr>
-          <p:nvPr/>
-        </p:nvPicPr>
-        <p:blipFill>
-          <a:blip r:embed="rId3"/>
-          <a:stretch>
-            <a:fillRect/>
-          </a:stretch>
-        </p:blipFill>
-        <p:spPr>
-          <a:xfrm>
-            <a:off x="5690742" y="1779604"/>
-            <a:ext cx="6307381" cy="3848839"/>
+            <a:off x="1275426" y="1502023"/>
+            <a:ext cx="6257020" cy="4514802"/>
           </a:xfrm>
           <a:prstGeom prst="rect">
             <a:avLst/>
@@ -3631,8 +4046,8 @@
         </p:blipFill>
         <p:spPr>
           <a:xfrm>
-            <a:off x="6155962" y="695312"/>
-            <a:ext cx="4105848" cy="1333686"/>
+            <a:off x="3870868" y="1176845"/>
+            <a:ext cx="5068105" cy="1646253"/>
           </a:xfrm>
           <a:prstGeom prst="rect">
             <a:avLst/>
@@ -3655,8 +4070,8 @@
         </p:blipFill>
         <p:spPr>
           <a:xfrm>
-            <a:off x="6155962" y="2897286"/>
-            <a:ext cx="4107230" cy="1932165"/>
+            <a:off x="4536695" y="3493800"/>
+            <a:ext cx="3595252" cy="1691315"/>
           </a:xfrm>
           <a:prstGeom prst="rect">
             <a:avLst/>
@@ -3678,14 +4093,37 @@
         </p:blipFill>
         <p:spPr>
           <a:xfrm>
-            <a:off x="772357" y="426128"/>
-            <a:ext cx="4145872" cy="5344358"/>
+            <a:off x="579268" y="1176846"/>
+            <a:ext cx="3109404" cy="4008269"/>
           </a:xfrm>
           <a:prstGeom prst="rect">
             <a:avLst/>
           </a:prstGeom>
         </p:spPr>
       </p:pic>
+      <p:sp>
+        <p:nvSpPr>
+          <p:cNvPr id="2" name="Номер слайда 1"/>
+          <p:cNvSpPr>
+            <a:spLocks noGrp="1"/>
+          </p:cNvSpPr>
+          <p:nvPr>
+            <p:ph type="sldNum" sz="quarter" idx="12"/>
+          </p:nvPr>
+        </p:nvSpPr>
+        <p:spPr/>
+        <p:txBody>
+          <a:bodyPr/>
+          <a:lstStyle/>
+          <a:p>
+            <a:fld id="{69C02A4C-CFC3-41FE-AE16-57E9D24E0734}" type="slidenum">
+              <a:rPr lang="en-US" smtClean="0"/>
+              <a:t>13</a:t>
+            </a:fld>
+            <a:endParaRPr lang="en-US"/>
+          </a:p>
+        </p:txBody>
+      </p:sp>
     </p:spTree>
     <p:extLst>
       <p:ext uri="{BB962C8B-B14F-4D97-AF65-F5344CB8AC3E}">
@@ -3733,7 +4171,12 @@
             <p:ph type="title"/>
           </p:nvPr>
         </p:nvSpPr>
-        <p:spPr/>
+        <p:spPr>
+          <a:xfrm>
+            <a:off x="628650" y="240838"/>
+            <a:ext cx="7886700" cy="1325563"/>
+          </a:xfrm>
+        </p:spPr>
         <p:txBody>
           <a:bodyPr>
             <a:normAutofit/>
@@ -3760,8 +4203,8 @@
         </p:nvSpPr>
         <p:spPr>
           <a:xfrm>
-            <a:off x="838200" y="1825624"/>
-            <a:ext cx="10515600" cy="4672829"/>
+            <a:off x="628650" y="1400845"/>
+            <a:ext cx="7886700" cy="3504622"/>
           </a:xfrm>
         </p:spPr>
         <p:txBody>
@@ -3771,30 +4214,53 @@
           <a:lstStyle/>
           <a:p>
             <a:r>
-              <a:rPr lang="ru-RU" dirty="0"/>
+              <a:rPr lang="ru-RU" sz="2400" dirty="0"/>
               <a:t>В ходе выполнения выпускной квалификационной работы был разработан инструмент хранения, редактирования и генерирования паролей, с использованием языка </a:t>
             </a:r>
             <a:r>
-              <a:rPr lang="en-US" dirty="0"/>
+              <a:rPr lang="en-US" sz="2400" dirty="0"/>
               <a:t>C</a:t>
             </a:r>
             <a:r>
-              <a:rPr lang="ru-RU" dirty="0"/>
+              <a:rPr lang="ru-RU" sz="2400" dirty="0"/>
               <a:t>#, как основного языка программирования. </a:t>
             </a:r>
           </a:p>
           <a:p>
             <a:r>
-              <a:rPr lang="ru-RU" dirty="0"/>
+              <a:rPr lang="ru-RU" sz="2400" dirty="0"/>
               <a:t>Приложение предоставляет пользователю возможность импортировать и хранить информацию о пользовательских учетных записях, организовывать пароли по категориям и выполнять поиск и фильтрацию для удобного доступа. </a:t>
             </a:r>
           </a:p>
           <a:p>
             <a:r>
-              <a:rPr lang="ru-RU" dirty="0"/>
+              <a:rPr lang="ru-RU" sz="2400" dirty="0"/>
               <a:t>Данная работа открывает перспективы для импортирования разработанной технологии менеджера паролей на мобильные устройства, такие как смартфоны и планшеты. </a:t>
             </a:r>
-            <a:endParaRPr lang="en-US" dirty="0"/>
+            <a:endParaRPr lang="en-US" sz="2400" dirty="0"/>
+          </a:p>
+        </p:txBody>
+      </p:sp>
+      <p:sp>
+        <p:nvSpPr>
+          <p:cNvPr id="4" name="Номер слайда 3"/>
+          <p:cNvSpPr>
+            <a:spLocks noGrp="1"/>
+          </p:cNvSpPr>
+          <p:nvPr>
+            <p:ph type="sldNum" sz="quarter" idx="12"/>
+          </p:nvPr>
+        </p:nvSpPr>
+        <p:spPr/>
+        <p:txBody>
+          <a:bodyPr/>
+          <a:lstStyle/>
+          <a:p>
+            <a:fld id="{69C02A4C-CFC3-41FE-AE16-57E9D24E0734}" type="slidenum">
+              <a:rPr lang="en-US" smtClean="0"/>
+              <a:t>14</a:t>
+            </a:fld>
+            <a:endParaRPr lang="en-US"/>
           </a:p>
         </p:txBody>
       </p:sp>
@@ -3860,14 +4326,37 @@
       </p:sp>
       <p:sp>
         <p:nvSpPr>
+          <p:cNvPr id="3" name="Номер слайда 2"/>
+          <p:cNvSpPr>
+            <a:spLocks noGrp="1"/>
+          </p:cNvSpPr>
+          <p:nvPr>
+            <p:ph type="sldNum" sz="quarter" idx="12"/>
+          </p:nvPr>
+        </p:nvSpPr>
+        <p:spPr/>
+        <p:txBody>
+          <a:bodyPr/>
+          <a:lstStyle/>
+          <a:p>
+            <a:fld id="{69C02A4C-CFC3-41FE-AE16-57E9D24E0734}" type="slidenum">
+              <a:rPr lang="en-US" smtClean="0"/>
+              <a:t>2</a:t>
+            </a:fld>
+            <a:endParaRPr lang="en-US"/>
+          </a:p>
+        </p:txBody>
+      </p:sp>
+      <p:sp>
+        <p:nvSpPr>
           <p:cNvPr id="4" name="TextBox 3"/>
           <p:cNvSpPr txBox="1"/>
           <p:nvPr/>
         </p:nvSpPr>
         <p:spPr>
           <a:xfrm>
-            <a:off x="838200" y="1535837"/>
-            <a:ext cx="11102266" cy="1261884"/>
+            <a:off x="628650" y="2009128"/>
+            <a:ext cx="8326700" cy="969496"/>
           </a:xfrm>
           <a:prstGeom prst="rect">
             <a:avLst/>
@@ -3881,22 +4370,30 @@
           <a:lstStyle/>
           <a:p>
             <a:r>
-              <a:rPr lang="ru-RU" sz="2800" b="1" dirty="0" smtClean="0"/>
+              <a:rPr lang="ru-RU" sz="2100" b="1" dirty="0"/>
               <a:t>Цель работы </a:t>
             </a:r>
           </a:p>
           <a:p>
             <a:r>
-              <a:rPr lang="ru-RU" sz="2400" dirty="0" smtClean="0"/>
+              <a:rPr lang="ru-RU" dirty="0"/>
               <a:t>Разработать приложение, которое будет осуществлять безопасное</a:t>
             </a:r>
           </a:p>
           <a:p>
             <a:r>
-              <a:rPr lang="ru-RU" sz="2400" dirty="0" smtClean="0"/>
-              <a:t>хранение, редактирование и изменение паролей пользователя. </a:t>
-            </a:r>
-            <a:endParaRPr lang="en-US" sz="2400" dirty="0"/>
+              <a:rPr lang="ru-RU" dirty="0"/>
+              <a:t>хранение, </a:t>
+            </a:r>
+            <a:r>
+              <a:rPr lang="ru-RU" dirty="0" smtClean="0"/>
+              <a:t>обращение </a:t>
+            </a:r>
+            <a:r>
+              <a:rPr lang="ru-RU" dirty="0"/>
+              <a:t>и изменение паролей пользователя. </a:t>
+            </a:r>
+            <a:endParaRPr lang="en-US" dirty="0"/>
           </a:p>
         </p:txBody>
       </p:sp>
@@ -3908,8 +4405,8 @@
         </p:nvSpPr>
         <p:spPr>
           <a:xfrm>
-            <a:off x="838200" y="3127730"/>
-            <a:ext cx="11102266" cy="3108543"/>
+            <a:off x="628650" y="3203048"/>
+            <a:ext cx="8326700" cy="2354491"/>
           </a:xfrm>
           <a:prstGeom prst="rect">
             <a:avLst/>
@@ -3923,72 +4420,72 @@
           <a:lstStyle/>
           <a:p>
             <a:r>
-              <a:rPr lang="ru-RU" sz="2800" b="1" dirty="0" smtClean="0"/>
+              <a:rPr lang="ru-RU" sz="2100" b="1" dirty="0"/>
               <a:t>Объект работы</a:t>
             </a:r>
           </a:p>
           <a:p>
             <a:r>
-              <a:rPr lang="ru-RU" sz="2400" dirty="0" smtClean="0"/>
+              <a:rPr lang="ru-RU" dirty="0"/>
               <a:t>Приложение, которое выполняет следующие функции:</a:t>
             </a:r>
           </a:p>
           <a:p>
-            <a:pPr marL="342900" indent="-342900">
+            <a:pPr marL="257175" indent="-257175">
               <a:buFont typeface="Arial" panose="020B0604020202020204" pitchFamily="34" charset="0"/>
               <a:buChar char="•"/>
             </a:pPr>
             <a:r>
-              <a:rPr lang="ru-RU" sz="2400" dirty="0" smtClean="0"/>
+              <a:rPr lang="ru-RU" dirty="0"/>
               <a:t>Запись новых паролей в базу паролей</a:t>
             </a:r>
           </a:p>
           <a:p>
-            <a:pPr marL="342900" indent="-342900">
+            <a:pPr marL="257175" indent="-257175">
               <a:buFont typeface="Arial" panose="020B0604020202020204" pitchFamily="34" charset="0"/>
               <a:buChar char="•"/>
             </a:pPr>
             <a:r>
-              <a:rPr lang="ru-RU" sz="2400" dirty="0" smtClean="0"/>
+              <a:rPr lang="ru-RU" dirty="0"/>
               <a:t>Редактирование записей в базе</a:t>
             </a:r>
           </a:p>
           <a:p>
-            <a:pPr marL="342900" indent="-342900">
+            <a:pPr marL="257175" indent="-257175">
               <a:buFont typeface="Arial" panose="020B0604020202020204" pitchFamily="34" charset="0"/>
               <a:buChar char="•"/>
             </a:pPr>
             <a:r>
-              <a:rPr lang="ru-RU" sz="2400" dirty="0" smtClean="0"/>
+              <a:rPr lang="ru-RU" dirty="0"/>
               <a:t>Загрузка базы паролей из файла</a:t>
             </a:r>
           </a:p>
           <a:p>
-            <a:pPr marL="342900" indent="-342900">
+            <a:pPr marL="257175" indent="-257175">
               <a:buFont typeface="Arial" panose="020B0604020202020204" pitchFamily="34" charset="0"/>
               <a:buChar char="•"/>
             </a:pPr>
             <a:r>
-              <a:rPr lang="ru-RU" sz="2400" dirty="0" smtClean="0"/>
+              <a:rPr lang="ru-RU" dirty="0"/>
               <a:t>Сохранение базы паролей в файл</a:t>
             </a:r>
           </a:p>
           <a:p>
-            <a:pPr marL="342900" indent="-342900">
+            <a:pPr marL="257175" indent="-257175">
               <a:buFont typeface="Arial" panose="020B0604020202020204" pitchFamily="34" charset="0"/>
               <a:buChar char="•"/>
             </a:pPr>
             <a:r>
-              <a:rPr lang="ru-RU" sz="2400" dirty="0" smtClean="0"/>
+              <a:rPr lang="ru-RU" dirty="0"/>
               <a:t>Генерация новых паролей</a:t>
             </a:r>
           </a:p>
           <a:p>
-            <a:pPr marL="342900" indent="-342900">
+            <a:pPr marL="257175" indent="-257175">
               <a:buFont typeface="Arial" panose="020B0604020202020204" pitchFamily="34" charset="0"/>
               <a:buChar char="•"/>
             </a:pPr>
-            <a:endParaRPr lang="en-US" sz="2400" dirty="0"/>
+            <a:endParaRPr lang="en-US" dirty="0"/>
           </a:p>
         </p:txBody>
       </p:sp>
@@ -4041,8 +4538,8 @@
         </p:nvSpPr>
         <p:spPr>
           <a:xfrm>
-            <a:off x="838200" y="365125"/>
-            <a:ext cx="10515600" cy="1325563"/>
+            <a:off x="628650" y="1131094"/>
+            <a:ext cx="7886700" cy="994172"/>
           </a:xfrm>
         </p:spPr>
         <p:txBody>
@@ -4069,12 +4566,14 @@
         </p:nvSpPr>
         <p:spPr>
           <a:xfrm>
-            <a:off x="838200" y="2305019"/>
-            <a:ext cx="10515600" cy="2701987"/>
+            <a:off x="628650" y="2586015"/>
+            <a:ext cx="7886700" cy="2026490"/>
           </a:xfrm>
         </p:spPr>
         <p:txBody>
-          <a:bodyPr/>
+          <a:bodyPr>
+            <a:normAutofit fontScale="85000" lnSpcReduction="20000"/>
+          </a:bodyPr>
           <a:lstStyle/>
           <a:p>
             <a:pPr marL="0" indent="0">
@@ -4127,6 +4626,29 @@
               <a:rPr lang="ru-RU" dirty="0" smtClean="0"/>
               <a:t>В текстовом файле на компьютере</a:t>
             </a:r>
+          </a:p>
+        </p:txBody>
+      </p:sp>
+      <p:sp>
+        <p:nvSpPr>
+          <p:cNvPr id="3" name="Номер слайда 2"/>
+          <p:cNvSpPr>
+            <a:spLocks noGrp="1"/>
+          </p:cNvSpPr>
+          <p:nvPr>
+            <p:ph type="sldNum" sz="quarter" idx="12"/>
+          </p:nvPr>
+        </p:nvSpPr>
+        <p:spPr/>
+        <p:txBody>
+          <a:bodyPr/>
+          <a:lstStyle/>
+          <a:p>
+            <a:fld id="{69C02A4C-CFC3-41FE-AE16-57E9D24E0734}" type="slidenum">
+              <a:rPr lang="en-US" smtClean="0"/>
+              <a:t>3</a:t>
+            </a:fld>
+            <a:endParaRPr lang="en-US"/>
           </a:p>
         </p:txBody>
       </p:sp>
@@ -4179,21 +4701,44 @@
         </p:nvSpPr>
         <p:spPr>
           <a:xfrm>
-            <a:off x="3754735" y="2478363"/>
-            <a:ext cx="4421599" cy="1325563"/>
+            <a:off x="2816052" y="2716023"/>
+            <a:ext cx="3316199" cy="994172"/>
           </a:xfrm>
         </p:spPr>
         <p:txBody>
           <a:bodyPr>
-            <a:normAutofit/>
+            <a:normAutofit fontScale="90000"/>
           </a:bodyPr>
           <a:lstStyle/>
           <a:p>
             <a:r>
-              <a:rPr lang="ru-RU" sz="8800" dirty="0" smtClean="0"/>
+              <a:rPr lang="ru-RU" sz="6600" dirty="0"/>
               <a:t>Аналоги</a:t>
             </a:r>
-            <a:endParaRPr lang="en-US" sz="8800" dirty="0"/>
+            <a:endParaRPr lang="en-US" sz="6600" dirty="0"/>
+          </a:p>
+        </p:txBody>
+      </p:sp>
+      <p:sp>
+        <p:nvSpPr>
+          <p:cNvPr id="3" name="Номер слайда 2"/>
+          <p:cNvSpPr>
+            <a:spLocks noGrp="1"/>
+          </p:cNvSpPr>
+          <p:nvPr>
+            <p:ph type="sldNum" sz="quarter" idx="12"/>
+          </p:nvPr>
+        </p:nvSpPr>
+        <p:spPr/>
+        <p:txBody>
+          <a:bodyPr/>
+          <a:lstStyle/>
+          <a:p>
+            <a:fld id="{69C02A4C-CFC3-41FE-AE16-57E9D24E0734}" type="slidenum">
+              <a:rPr lang="en-US" smtClean="0"/>
+              <a:t>4</a:t>
+            </a:fld>
+            <a:endParaRPr lang="en-US"/>
           </a:p>
         </p:txBody>
       </p:sp>
@@ -4246,8 +4791,8 @@
         </p:nvSpPr>
         <p:spPr>
           <a:xfrm>
-            <a:off x="385439" y="258594"/>
-            <a:ext cx="2029287" cy="655807"/>
+            <a:off x="289080" y="445295"/>
+            <a:ext cx="4549250" cy="491855"/>
           </a:xfrm>
         </p:spPr>
         <p:txBody>
@@ -4276,8 +4821,8 @@
         </p:nvSpPr>
         <p:spPr>
           <a:xfrm>
-            <a:off x="385440" y="1159800"/>
-            <a:ext cx="4923407" cy="2657598"/>
+            <a:off x="215836" y="1024758"/>
+            <a:ext cx="3839038" cy="2104395"/>
           </a:xfrm>
         </p:spPr>
         <p:txBody>
@@ -4290,35 +4835,58 @@
               <a:buNone/>
             </a:pPr>
             <a:r>
-              <a:rPr lang="ru-RU" sz="2400" dirty="0" smtClean="0"/>
+              <a:rPr lang="ru-RU" sz="1800" dirty="0"/>
               <a:t>Плюсы:</a:t>
             </a:r>
-            <a:endParaRPr lang="en-US" sz="2400" dirty="0" smtClean="0"/>
-          </a:p>
-          <a:p>
-            <a:r>
-              <a:rPr lang="ru-RU" sz="2400" dirty="0" smtClean="0"/>
+            <a:endParaRPr lang="en-US" sz="1800" dirty="0"/>
+          </a:p>
+          <a:p>
+            <a:r>
+              <a:rPr lang="ru-RU" sz="1800" dirty="0"/>
               <a:t>Бесплатный</a:t>
             </a:r>
           </a:p>
           <a:p>
             <a:r>
-              <a:rPr lang="ru-RU" sz="2400" dirty="0" smtClean="0"/>
+              <a:rPr lang="ru-RU" sz="1800" dirty="0"/>
               <a:t>Открытый исходный код</a:t>
             </a:r>
           </a:p>
           <a:p>
             <a:r>
-              <a:rPr lang="ru-RU" sz="2400" dirty="0" smtClean="0"/>
+              <a:rPr lang="ru-RU" sz="1800" dirty="0"/>
               <a:t>Хранение паролей на компьютере</a:t>
             </a:r>
           </a:p>
           <a:p>
             <a:r>
-              <a:rPr lang="ru-RU" sz="2400" dirty="0" smtClean="0"/>
+              <a:rPr lang="ru-RU" sz="1800" dirty="0"/>
               <a:t>Поддержка дополнительных плагинов</a:t>
             </a:r>
-            <a:endParaRPr lang="en-US" sz="2400" dirty="0"/>
+            <a:endParaRPr lang="en-US" sz="1800" dirty="0"/>
+          </a:p>
+        </p:txBody>
+      </p:sp>
+      <p:sp>
+        <p:nvSpPr>
+          <p:cNvPr id="5" name="Номер слайда 4"/>
+          <p:cNvSpPr>
+            <a:spLocks noGrp="1"/>
+          </p:cNvSpPr>
+          <p:nvPr>
+            <p:ph type="sldNum" sz="quarter" idx="12"/>
+          </p:nvPr>
+        </p:nvSpPr>
+        <p:spPr/>
+        <p:txBody>
+          <a:bodyPr/>
+          <a:lstStyle/>
+          <a:p>
+            <a:fld id="{69C02A4C-CFC3-41FE-AE16-57E9D24E0734}" type="slidenum">
+              <a:rPr lang="en-US" smtClean="0"/>
+              <a:t>5</a:t>
+            </a:fld>
+            <a:endParaRPr lang="en-US"/>
           </a:p>
         </p:txBody>
       </p:sp>
@@ -4332,15 +4900,15 @@
         </p:nvSpPr>
         <p:spPr>
           <a:xfrm>
-            <a:off x="385439" y="4062797"/>
-            <a:ext cx="4923407" cy="2420488"/>
+            <a:off x="289077" y="3327958"/>
+            <a:ext cx="3692555" cy="1815366"/>
           </a:xfrm>
           <a:prstGeom prst="rect">
             <a:avLst/>
           </a:prstGeom>
         </p:spPr>
         <p:txBody>
-          <a:bodyPr vert="horz" lIns="91440" tIns="45720" rIns="91440" bIns="45720" rtlCol="0">
+          <a:bodyPr vert="horz" lIns="68580" tIns="34290" rIns="68580" bIns="34290" rtlCol="0">
             <a:normAutofit/>
           </a:bodyPr>
           <a:lstStyle>
@@ -4509,32 +5077,31 @@
           </a:lstStyle>
           <a:p>
             <a:pPr marL="0" indent="0">
-              <a:buFont typeface="Arial" panose="020B0604020202020204" pitchFamily="34" charset="0"/>
               <a:buNone/>
             </a:pPr>
             <a:r>
-              <a:rPr lang="ru-RU" sz="2400" dirty="0" smtClean="0"/>
+              <a:rPr lang="ru-RU" sz="1800" dirty="0"/>
               <a:t>Минусы:</a:t>
             </a:r>
           </a:p>
           <a:p>
             <a:r>
-              <a:rPr lang="ru-RU" sz="2400" dirty="0" smtClean="0"/>
+              <a:rPr lang="ru-RU" sz="1800" dirty="0"/>
               <a:t>Сложность в освоении</a:t>
             </a:r>
           </a:p>
           <a:p>
             <a:r>
-              <a:rPr lang="ru-RU" sz="2400" dirty="0" smtClean="0"/>
+              <a:rPr lang="ru-RU" sz="1800" dirty="0"/>
               <a:t>Чрезмерная перегрузка функционалом</a:t>
             </a:r>
           </a:p>
           <a:p>
             <a:r>
-              <a:rPr lang="ru-RU" sz="2400" dirty="0" smtClean="0"/>
+              <a:rPr lang="ru-RU" sz="1800" dirty="0"/>
               <a:t>Долгая настройка</a:t>
             </a:r>
-            <a:endParaRPr lang="en-US" sz="2400" dirty="0"/>
+            <a:endParaRPr lang="en-US" sz="1800" dirty="0"/>
           </a:p>
         </p:txBody>
       </p:sp>
@@ -4554,8 +5121,8 @@
         </p:blipFill>
         <p:spPr>
           <a:xfrm>
-            <a:off x="5513191" y="106532"/>
-            <a:ext cx="5224000" cy="3187747"/>
+            <a:off x="3981633" y="262446"/>
+            <a:ext cx="4697888" cy="2866707"/>
           </a:xfrm>
           <a:prstGeom prst="rect">
             <a:avLst/>
@@ -4578,8 +5145,8 @@
         </p:blipFill>
         <p:spPr>
           <a:xfrm>
-            <a:off x="5513191" y="3453147"/>
-            <a:ext cx="5224000" cy="3030138"/>
+            <a:off x="3981633" y="3327958"/>
+            <a:ext cx="4697888" cy="2724972"/>
           </a:xfrm>
           <a:prstGeom prst="rect">
             <a:avLst/>
@@ -4635,8 +5202,8 @@
         </p:nvSpPr>
         <p:spPr>
           <a:xfrm>
-            <a:off x="385439" y="258594"/>
-            <a:ext cx="2029287" cy="655807"/>
+            <a:off x="475510" y="385371"/>
+            <a:ext cx="3998835" cy="491855"/>
           </a:xfrm>
         </p:spPr>
         <p:txBody>
@@ -4665,13 +5232,13 @@
         </p:nvSpPr>
         <p:spPr>
           <a:xfrm>
-            <a:off x="385440" y="1159800"/>
-            <a:ext cx="4923407" cy="1867485"/>
+            <a:off x="178106" y="1241123"/>
+            <a:ext cx="3830161" cy="1400614"/>
           </a:xfrm>
         </p:spPr>
         <p:txBody>
           <a:bodyPr>
-            <a:normAutofit/>
+            <a:noAutofit/>
           </a:bodyPr>
           <a:lstStyle/>
           <a:p>
@@ -4679,28 +5246,51 @@
               <a:buNone/>
             </a:pPr>
             <a:r>
-              <a:rPr lang="ru-RU" sz="2400" dirty="0" smtClean="0"/>
+              <a:rPr lang="ru-RU" sz="1800" dirty="0"/>
               <a:t>Плюсы:</a:t>
             </a:r>
-            <a:endParaRPr lang="en-US" sz="2400" dirty="0" smtClean="0"/>
-          </a:p>
-          <a:p>
-            <a:r>
-              <a:rPr lang="ru-RU" sz="2400" dirty="0" smtClean="0"/>
+            <a:endParaRPr lang="en-US" sz="1800" dirty="0"/>
+          </a:p>
+          <a:p>
+            <a:r>
+              <a:rPr lang="ru-RU" sz="1800" dirty="0"/>
               <a:t>Бесплатный</a:t>
             </a:r>
           </a:p>
           <a:p>
             <a:r>
-              <a:rPr lang="ru-RU" sz="2400" dirty="0" smtClean="0"/>
+              <a:rPr lang="ru-RU" sz="1800" dirty="0"/>
               <a:t>Открытый исходный код</a:t>
             </a:r>
           </a:p>
           <a:p>
             <a:r>
-              <a:rPr lang="ru-RU" sz="2400" dirty="0" smtClean="0"/>
+              <a:rPr lang="ru-RU" sz="1800" dirty="0"/>
               <a:t>Хранение паролей на компьютере</a:t>
             </a:r>
+          </a:p>
+        </p:txBody>
+      </p:sp>
+      <p:sp>
+        <p:nvSpPr>
+          <p:cNvPr id="5" name="Номер слайда 4"/>
+          <p:cNvSpPr>
+            <a:spLocks noGrp="1"/>
+          </p:cNvSpPr>
+          <p:nvPr>
+            <p:ph type="sldNum" sz="quarter" idx="12"/>
+          </p:nvPr>
+        </p:nvSpPr>
+        <p:spPr/>
+        <p:txBody>
+          <a:bodyPr/>
+          <a:lstStyle/>
+          <a:p>
+            <a:fld id="{69C02A4C-CFC3-41FE-AE16-57E9D24E0734}" type="slidenum">
+              <a:rPr lang="en-US" smtClean="0"/>
+              <a:t>6</a:t>
+            </a:fld>
+            <a:endParaRPr lang="en-US"/>
           </a:p>
         </p:txBody>
       </p:sp>
@@ -4714,15 +5304,15 @@
         </p:nvSpPr>
         <p:spPr>
           <a:xfrm>
-            <a:off x="385439" y="3204839"/>
-            <a:ext cx="4923407" cy="3278446"/>
+            <a:off x="246910" y="2930870"/>
+            <a:ext cx="3692555" cy="2458835"/>
           </a:xfrm>
           <a:prstGeom prst="rect">
             <a:avLst/>
           </a:prstGeom>
         </p:spPr>
         <p:txBody>
-          <a:bodyPr vert="horz" lIns="91440" tIns="45720" rIns="91440" bIns="45720" rtlCol="0">
+          <a:bodyPr vert="horz" lIns="68580" tIns="34290" rIns="68580" bIns="34290" rtlCol="0">
             <a:normAutofit/>
           </a:bodyPr>
           <a:lstStyle>
@@ -4891,31 +5481,30 @@
           </a:lstStyle>
           <a:p>
             <a:pPr marL="0" indent="0">
-              <a:buFont typeface="Arial" panose="020B0604020202020204" pitchFamily="34" charset="0"/>
               <a:buNone/>
             </a:pPr>
             <a:r>
-              <a:rPr lang="ru-RU" sz="2400" dirty="0" smtClean="0"/>
+              <a:rPr lang="ru-RU" sz="1800" dirty="0"/>
               <a:t>Минусы:</a:t>
             </a:r>
           </a:p>
           <a:p>
             <a:r>
-              <a:rPr lang="ru-RU" sz="2400" dirty="0" smtClean="0"/>
+              <a:rPr lang="ru-RU" sz="1800" dirty="0"/>
               <a:t>Отсутствие приложения на </a:t>
             </a:r>
             <a:r>
-              <a:rPr lang="en-US" sz="2400" dirty="0" smtClean="0"/>
+              <a:rPr lang="en-US" sz="1800" dirty="0"/>
               <a:t>windows</a:t>
             </a:r>
-            <a:endParaRPr lang="ru-RU" sz="2400" dirty="0" smtClean="0"/>
-          </a:p>
-          <a:p>
-            <a:r>
-              <a:rPr lang="ru-RU" sz="2400" dirty="0" smtClean="0"/>
+            <a:endParaRPr lang="ru-RU" sz="1800" dirty="0"/>
+          </a:p>
+          <a:p>
+            <a:r>
+              <a:rPr lang="ru-RU" sz="1800" dirty="0"/>
               <a:t>Отсутствие графического интерфейса</a:t>
             </a:r>
-            <a:endParaRPr lang="en-US" sz="2400" dirty="0"/>
+            <a:endParaRPr lang="en-US" sz="1800" dirty="0"/>
           </a:p>
         </p:txBody>
       </p:sp>
@@ -4934,8 +5523,8 @@
         </p:blipFill>
         <p:spPr>
           <a:xfrm>
-            <a:off x="5717219" y="1331649"/>
-            <a:ext cx="6019062" cy="3675357"/>
+            <a:off x="4008267" y="1411957"/>
+            <a:ext cx="4974990" cy="3037826"/>
           </a:xfrm>
           <a:prstGeom prst="rect">
             <a:avLst/>
@@ -4991,8 +5580,8 @@
         </p:nvSpPr>
         <p:spPr>
           <a:xfrm>
-            <a:off x="385439" y="258594"/>
-            <a:ext cx="2544192" cy="655807"/>
+            <a:off x="289079" y="456393"/>
+            <a:ext cx="3690087" cy="491855"/>
           </a:xfrm>
         </p:spPr>
         <p:txBody>
@@ -5002,7 +5591,7 @@
           <a:lstStyle/>
           <a:p>
             <a:r>
-              <a:rPr lang="en-US" dirty="0" err="1" smtClean="0"/>
+              <a:rPr lang="en-US" dirty="0" smtClean="0"/>
               <a:t>Dashlane</a:t>
             </a:r>
             <a:endParaRPr lang="en-US" dirty="0"/>
@@ -5021,8 +5610,8 @@
         </p:nvSpPr>
         <p:spPr>
           <a:xfrm>
-            <a:off x="385440" y="1159800"/>
-            <a:ext cx="4923407" cy="1867485"/>
+            <a:off x="286612" y="1246596"/>
+            <a:ext cx="3692555" cy="1400614"/>
           </a:xfrm>
         </p:spPr>
         <p:txBody>
@@ -5035,26 +5624,45 @@
               <a:buNone/>
             </a:pPr>
             <a:r>
-              <a:rPr lang="ru-RU" sz="2400" dirty="0" smtClean="0"/>
+              <a:rPr lang="ru-RU" sz="1800" dirty="0"/>
               <a:t>Плюсы:</a:t>
             </a:r>
-            <a:endParaRPr lang="en-US" sz="2400" dirty="0" smtClean="0"/>
-          </a:p>
-          <a:p>
-            <a:r>
-              <a:rPr lang="ru-RU" sz="2400" dirty="0" smtClean="0"/>
+            <a:endParaRPr lang="en-US" sz="1800" dirty="0"/>
+          </a:p>
+          <a:p>
+            <a:r>
+              <a:rPr lang="ru-RU" sz="1800" dirty="0"/>
               <a:t>Интуитивно понятный интерфейс</a:t>
             </a:r>
           </a:p>
           <a:p>
             <a:r>
-              <a:rPr lang="ru-RU" sz="2400" dirty="0" err="1" smtClean="0"/>
-              <a:t>Автозаполнение</a:t>
-            </a:r>
-            <a:r>
-              <a:rPr lang="ru-RU" sz="2400" dirty="0" smtClean="0"/>
-              <a:t> форм паролей</a:t>
-            </a:r>
+              <a:rPr lang="ru-RU" sz="1800" dirty="0"/>
+              <a:t>Автозаполнение форм паролей</a:t>
+            </a:r>
+          </a:p>
+        </p:txBody>
+      </p:sp>
+      <p:sp>
+        <p:nvSpPr>
+          <p:cNvPr id="6" name="Номер слайда 5"/>
+          <p:cNvSpPr>
+            <a:spLocks noGrp="1"/>
+          </p:cNvSpPr>
+          <p:nvPr>
+            <p:ph type="sldNum" sz="quarter" idx="12"/>
+          </p:nvPr>
+        </p:nvSpPr>
+        <p:spPr/>
+        <p:txBody>
+          <a:bodyPr/>
+          <a:lstStyle/>
+          <a:p>
+            <a:fld id="{69C02A4C-CFC3-41FE-AE16-57E9D24E0734}" type="slidenum">
+              <a:rPr lang="en-US" smtClean="0"/>
+              <a:t>7</a:t>
+            </a:fld>
+            <a:endParaRPr lang="en-US"/>
           </a:p>
         </p:txBody>
       </p:sp>
@@ -5068,15 +5676,15 @@
         </p:nvSpPr>
         <p:spPr>
           <a:xfrm>
-            <a:off x="385439" y="2784411"/>
-            <a:ext cx="4923407" cy="3210601"/>
+            <a:off x="360684" y="2663137"/>
+            <a:ext cx="3692555" cy="2407951"/>
           </a:xfrm>
           <a:prstGeom prst="rect">
             <a:avLst/>
           </a:prstGeom>
         </p:spPr>
         <p:txBody>
-          <a:bodyPr vert="horz" lIns="91440" tIns="45720" rIns="91440" bIns="45720" rtlCol="0">
+          <a:bodyPr vert="horz" lIns="68580" tIns="34290" rIns="68580" bIns="34290" rtlCol="0">
             <a:normAutofit/>
           </a:bodyPr>
           <a:lstStyle>
@@ -5245,26 +5853,25 @@
           </a:lstStyle>
           <a:p>
             <a:pPr marL="0" indent="0">
-              <a:buFont typeface="Arial" panose="020B0604020202020204" pitchFamily="34" charset="0"/>
               <a:buNone/>
             </a:pPr>
             <a:r>
-              <a:rPr lang="ru-RU" sz="2400" dirty="0" smtClean="0"/>
+              <a:rPr lang="ru-RU" sz="1800" dirty="0"/>
               <a:t>Минусы:</a:t>
             </a:r>
           </a:p>
           <a:p>
             <a:r>
-              <a:rPr lang="ru-RU" sz="2400" dirty="0" smtClean="0"/>
+              <a:rPr lang="ru-RU" sz="1800" dirty="0"/>
               <a:t>Платная модель подписки</a:t>
             </a:r>
           </a:p>
           <a:p>
             <a:r>
-              <a:rPr lang="ru-RU" sz="2400" dirty="0" smtClean="0"/>
+              <a:rPr lang="ru-RU" sz="1800" dirty="0"/>
               <a:t>Зависимость от облачного хранения</a:t>
             </a:r>
-            <a:endParaRPr lang="en-US" sz="2400" dirty="0"/>
+            <a:endParaRPr lang="en-US" sz="1800" dirty="0"/>
           </a:p>
         </p:txBody>
       </p:sp>
@@ -5284,8 +5891,8 @@
         </p:blipFill>
         <p:spPr>
           <a:xfrm>
-            <a:off x="6047581" y="0"/>
-            <a:ext cx="5090400" cy="3534448"/>
+            <a:off x="4127312" y="205185"/>
+            <a:ext cx="4634947" cy="3218211"/>
           </a:xfrm>
           <a:prstGeom prst="rect">
             <a:avLst/>
@@ -5308,8 +5915,8 @@
         </p:blipFill>
         <p:spPr>
           <a:xfrm>
-            <a:off x="6236638" y="3417904"/>
-            <a:ext cx="4712285" cy="3161356"/>
+            <a:off x="4224965" y="3423396"/>
+            <a:ext cx="4395252" cy="2948667"/>
           </a:xfrm>
           <a:prstGeom prst="rect">
             <a:avLst/>
@@ -5369,8 +5976,8 @@
         </p:blipFill>
         <p:spPr>
           <a:xfrm>
-            <a:off x="142135" y="2318125"/>
-            <a:ext cx="3920878" cy="2252246"/>
+            <a:off x="106601" y="2595844"/>
+            <a:ext cx="2940659" cy="1689185"/>
           </a:xfrm>
           <a:prstGeom prst="rect">
             <a:avLst/>
@@ -5418,14 +6025,37 @@
         </p:blipFill>
         <p:spPr>
           <a:xfrm>
-            <a:off x="8115331" y="2086936"/>
-            <a:ext cx="2714625" cy="2714625"/>
+            <a:off x="6264052" y="2422451"/>
+            <a:ext cx="2035969" cy="2035969"/>
           </a:xfrm>
           <a:prstGeom prst="rect">
             <a:avLst/>
           </a:prstGeom>
         </p:spPr>
       </p:pic>
+      <p:sp>
+        <p:nvSpPr>
+          <p:cNvPr id="3" name="Номер слайда 2"/>
+          <p:cNvSpPr>
+            <a:spLocks noGrp="1"/>
+          </p:cNvSpPr>
+          <p:nvPr>
+            <p:ph type="sldNum" sz="quarter" idx="12"/>
+          </p:nvPr>
+        </p:nvSpPr>
+        <p:spPr/>
+        <p:txBody>
+          <a:bodyPr/>
+          <a:lstStyle/>
+          <a:p>
+            <a:fld id="{69C02A4C-CFC3-41FE-AE16-57E9D24E0734}" type="slidenum">
+              <a:rPr lang="en-US" smtClean="0"/>
+              <a:t>8</a:t>
+            </a:fld>
+            <a:endParaRPr lang="en-US"/>
+          </a:p>
+        </p:txBody>
+      </p:sp>
       <p:pic>
         <p:nvPicPr>
           <p:cNvPr id="7" name="Рисунок 6"/>
@@ -5442,8 +6072,8 @@
         </p:blipFill>
         <p:spPr>
           <a:xfrm>
-            <a:off x="4406625" y="2524517"/>
-            <a:ext cx="2759198" cy="1839465"/>
+            <a:off x="3438134" y="2750635"/>
+            <a:ext cx="2069399" cy="1379599"/>
           </a:xfrm>
           <a:prstGeom prst="rect">
             <a:avLst/>
@@ -5505,10 +6135,10 @@
           <a:lstStyle/>
           <a:p>
             <a:r>
-              <a:rPr lang="ru-RU" sz="4300" dirty="0" smtClean="0"/>
+              <a:rPr lang="ru-RU" sz="3225" dirty="0"/>
               <a:t>Безопасность при запущенном приложении</a:t>
             </a:r>
-            <a:endParaRPr lang="en-US" sz="4300" dirty="0"/>
+            <a:endParaRPr lang="en-US" sz="3225" dirty="0"/>
           </a:p>
         </p:txBody>
       </p:sp>
@@ -5530,14 +6160,37 @@
         </p:blipFill>
         <p:spPr>
           <a:xfrm>
-            <a:off x="1522466" y="1825625"/>
-            <a:ext cx="9147067" cy="4351338"/>
+            <a:off x="764255" y="1992529"/>
+            <a:ext cx="7997730" cy="3804589"/>
           </a:xfrm>
           <a:prstGeom prst="rect">
             <a:avLst/>
           </a:prstGeom>
         </p:spPr>
       </p:pic>
+      <p:sp>
+        <p:nvSpPr>
+          <p:cNvPr id="3" name="Номер слайда 2"/>
+          <p:cNvSpPr>
+            <a:spLocks noGrp="1"/>
+          </p:cNvSpPr>
+          <p:nvPr>
+            <p:ph type="sldNum" sz="quarter" idx="12"/>
+          </p:nvPr>
+        </p:nvSpPr>
+        <p:spPr/>
+        <p:txBody>
+          <a:bodyPr/>
+          <a:lstStyle/>
+          <a:p>
+            <a:fld id="{69C02A4C-CFC3-41FE-AE16-57E9D24E0734}" type="slidenum">
+              <a:rPr lang="en-US" smtClean="0"/>
+              <a:t>9</a:t>
+            </a:fld>
+            <a:endParaRPr lang="en-US"/>
+          </a:p>
+        </p:txBody>
+      </p:sp>
     </p:spTree>
     <p:extLst>
       <p:ext uri="{BB962C8B-B14F-4D97-AF65-F5344CB8AC3E}">
@@ -5559,6 +6212,267 @@
 </file>
 
 <file path=ppt/theme/theme1.xml><?xml version="1.0" encoding="utf-8"?>
+<a:theme xmlns:a="http://schemas.openxmlformats.org/drawingml/2006/main" name="Тема Office">
+  <a:themeElements>
+    <a:clrScheme name="Тема Office">
+      <a:dk1>
+        <a:sysClr val="windowText" lastClr="000000"/>
+      </a:dk1>
+      <a:lt1>
+        <a:sysClr val="window" lastClr="FFFFFF"/>
+      </a:lt1>
+      <a:dk2>
+        <a:srgbClr val="44546A"/>
+      </a:dk2>
+      <a:lt2>
+        <a:srgbClr val="E7E6E6"/>
+      </a:lt2>
+      <a:accent1>
+        <a:srgbClr val="5B9BD5"/>
+      </a:accent1>
+      <a:accent2>
+        <a:srgbClr val="ED7D31"/>
+      </a:accent2>
+      <a:accent3>
+        <a:srgbClr val="A5A5A5"/>
+      </a:accent3>
+      <a:accent4>
+        <a:srgbClr val="FFC000"/>
+      </a:accent4>
+      <a:accent5>
+        <a:srgbClr val="4472C4"/>
+      </a:accent5>
+      <a:accent6>
+        <a:srgbClr val="70AD47"/>
+      </a:accent6>
+      <a:hlink>
+        <a:srgbClr val="0563C1"/>
+      </a:hlink>
+      <a:folHlink>
+        <a:srgbClr val="954F72"/>
+      </a:folHlink>
+    </a:clrScheme>
+    <a:fontScheme name="Тема Office">
+      <a:majorFont>
+        <a:latin typeface="Calibri Light" panose="020F0302020204030204"/>
+        <a:ea typeface=""/>
+        <a:cs typeface=""/>
+        <a:font script="Jpan" typeface="游ゴシック Light"/>
+        <a:font script="Hang" typeface="맑은 고딕"/>
+        <a:font script="Hans" typeface="等线 Light"/>
+        <a:font script="Hant" typeface="新細明體"/>
+        <a:font script="Arab" typeface="Times New Roman"/>
+        <a:font script="Hebr" typeface="Times New Roman"/>
+        <a:font script="Thai" typeface="Angsana New"/>
+        <a:font script="Ethi" typeface="Nyala"/>
+        <a:font script="Beng" typeface="Vrinda"/>
+        <a:font script="Gujr" typeface="Shruti"/>
+        <a:font script="Khmr" typeface="MoolBoran"/>
+        <a:font script="Knda" typeface="Tunga"/>
+        <a:font script="Guru" typeface="Raavi"/>
+        <a:font script="Cans" typeface="Euphemia"/>
+        <a:font script="Cher" typeface="Plantagenet Cherokee"/>
+        <a:font script="Yiii" typeface="Microsoft Yi Baiti"/>
+        <a:font script="Tibt" typeface="Microsoft Himalaya"/>
+        <a:font script="Thaa" typeface="MV Boli"/>
+        <a:font script="Deva" typeface="Mangal"/>
+        <a:font script="Telu" typeface="Gautami"/>
+        <a:font script="Taml" typeface="Latha"/>
+        <a:font script="Syrc" typeface="Estrangelo Edessa"/>
+        <a:font script="Orya" typeface="Kalinga"/>
+        <a:font script="Mlym" typeface="Kartika"/>
+        <a:font script="Laoo" typeface="DokChampa"/>
+        <a:font script="Sinh" typeface="Iskoola Pota"/>
+        <a:font script="Mong" typeface="Mongolian Baiti"/>
+        <a:font script="Viet" typeface="Times New Roman"/>
+        <a:font script="Uigh" typeface="Microsoft Uighur"/>
+        <a:font script="Geor" typeface="Sylfaen"/>
+      </a:majorFont>
+      <a:minorFont>
+        <a:latin typeface="Calibri" panose="020F0502020204030204"/>
+        <a:ea typeface=""/>
+        <a:cs typeface=""/>
+        <a:font script="Jpan" typeface="游ゴシック"/>
+        <a:font script="Hang" typeface="맑은 고딕"/>
+        <a:font script="Hans" typeface="等线"/>
+        <a:font script="Hant" typeface="新細明體"/>
+        <a:font script="Arab" typeface="Arial"/>
+        <a:font script="Hebr" typeface="Arial"/>
+        <a:font script="Thai" typeface="Cordia New"/>
+        <a:font script="Ethi" typeface="Nyala"/>
+        <a:font script="Beng" typeface="Vrinda"/>
+        <a:font script="Gujr" typeface="Shruti"/>
+        <a:font script="Khmr" typeface="DaunPenh"/>
+        <a:font script="Knda" typeface="Tunga"/>
+        <a:font script="Guru" typeface="Raavi"/>
+        <a:font script="Cans" typeface="Euphemia"/>
+        <a:font script="Cher" typeface="Plantagenet Cherokee"/>
+        <a:font script="Yiii" typeface="Microsoft Yi Baiti"/>
+        <a:font script="Tibt" typeface="Microsoft Himalaya"/>
+        <a:font script="Thaa" typeface="MV Boli"/>
+        <a:font script="Deva" typeface="Mangal"/>
+        <a:font script="Telu" typeface="Gautami"/>
+        <a:font script="Taml" typeface="Latha"/>
+        <a:font script="Syrc" typeface="Estrangelo Edessa"/>
+        <a:font script="Orya" typeface="Kalinga"/>
+        <a:font script="Mlym" typeface="Kartika"/>
+        <a:font script="Laoo" typeface="DokChampa"/>
+        <a:font script="Sinh" typeface="Iskoola Pota"/>
+        <a:font script="Mong" typeface="Mongolian Baiti"/>
+        <a:font script="Viet" typeface="Arial"/>
+        <a:font script="Uigh" typeface="Microsoft Uighur"/>
+        <a:font script="Geor" typeface="Sylfaen"/>
+      </a:minorFont>
+    </a:fontScheme>
+    <a:fmtScheme name="Тема Office">
+      <a:fillStyleLst>
+        <a:solidFill>
+          <a:schemeClr val="phClr"/>
+        </a:solidFill>
+        <a:gradFill rotWithShape="1">
+          <a:gsLst>
+            <a:gs pos="0">
+              <a:schemeClr val="phClr">
+                <a:lumMod val="110000"/>
+                <a:satMod val="105000"/>
+                <a:tint val="67000"/>
+              </a:schemeClr>
+            </a:gs>
+            <a:gs pos="50000">
+              <a:schemeClr val="phClr">
+                <a:lumMod val="105000"/>
+                <a:satMod val="103000"/>
+                <a:tint val="73000"/>
+              </a:schemeClr>
+            </a:gs>
+            <a:gs pos="100000">
+              <a:schemeClr val="phClr">
+                <a:lumMod val="105000"/>
+                <a:satMod val="109000"/>
+                <a:tint val="81000"/>
+              </a:schemeClr>
+            </a:gs>
+          </a:gsLst>
+          <a:lin ang="5400000" scaled="0"/>
+        </a:gradFill>
+        <a:gradFill rotWithShape="1">
+          <a:gsLst>
+            <a:gs pos="0">
+              <a:schemeClr val="phClr">
+                <a:satMod val="103000"/>
+                <a:lumMod val="102000"/>
+                <a:tint val="94000"/>
+              </a:schemeClr>
+            </a:gs>
+            <a:gs pos="50000">
+              <a:schemeClr val="phClr">
+                <a:satMod val="110000"/>
+                <a:lumMod val="100000"/>
+                <a:shade val="100000"/>
+              </a:schemeClr>
+            </a:gs>
+            <a:gs pos="100000">
+              <a:schemeClr val="phClr">
+                <a:lumMod val="99000"/>
+                <a:satMod val="120000"/>
+                <a:shade val="78000"/>
+              </a:schemeClr>
+            </a:gs>
+          </a:gsLst>
+          <a:lin ang="5400000" scaled="0"/>
+        </a:gradFill>
+      </a:fillStyleLst>
+      <a:lnStyleLst>
+        <a:ln w="6350" cap="flat" cmpd="sng" algn="ctr">
+          <a:solidFill>
+            <a:schemeClr val="phClr"/>
+          </a:solidFill>
+          <a:prstDash val="solid"/>
+          <a:miter lim="800000"/>
+        </a:ln>
+        <a:ln w="12700" cap="flat" cmpd="sng" algn="ctr">
+          <a:solidFill>
+            <a:schemeClr val="phClr"/>
+          </a:solidFill>
+          <a:prstDash val="solid"/>
+          <a:miter lim="800000"/>
+        </a:ln>
+        <a:ln w="19050" cap="flat" cmpd="sng" algn="ctr">
+          <a:solidFill>
+            <a:schemeClr val="phClr"/>
+          </a:solidFill>
+          <a:prstDash val="solid"/>
+          <a:miter lim="800000"/>
+        </a:ln>
+      </a:lnStyleLst>
+      <a:effectStyleLst>
+        <a:effectStyle>
+          <a:effectLst/>
+        </a:effectStyle>
+        <a:effectStyle>
+          <a:effectLst/>
+        </a:effectStyle>
+        <a:effectStyle>
+          <a:effectLst>
+            <a:outerShdw blurRad="57150" dist="19050" dir="5400000" algn="ctr" rotWithShape="0">
+              <a:srgbClr val="000000">
+                <a:alpha val="63000"/>
+              </a:srgbClr>
+            </a:outerShdw>
+          </a:effectLst>
+        </a:effectStyle>
+      </a:effectStyleLst>
+      <a:bgFillStyleLst>
+        <a:solidFill>
+          <a:schemeClr val="phClr"/>
+        </a:solidFill>
+        <a:solidFill>
+          <a:schemeClr val="phClr">
+            <a:tint val="95000"/>
+            <a:satMod val="170000"/>
+          </a:schemeClr>
+        </a:solidFill>
+        <a:gradFill rotWithShape="1">
+          <a:gsLst>
+            <a:gs pos="0">
+              <a:schemeClr val="phClr">
+                <a:tint val="93000"/>
+                <a:satMod val="150000"/>
+                <a:shade val="98000"/>
+                <a:lumMod val="102000"/>
+              </a:schemeClr>
+            </a:gs>
+            <a:gs pos="50000">
+              <a:schemeClr val="phClr">
+                <a:tint val="98000"/>
+                <a:satMod val="130000"/>
+                <a:shade val="90000"/>
+                <a:lumMod val="103000"/>
+              </a:schemeClr>
+            </a:gs>
+            <a:gs pos="100000">
+              <a:schemeClr val="phClr">
+                <a:shade val="63000"/>
+                <a:satMod val="120000"/>
+              </a:schemeClr>
+            </a:gs>
+          </a:gsLst>
+          <a:lin ang="5400000" scaled="0"/>
+        </a:gradFill>
+      </a:bgFillStyleLst>
+    </a:fmtScheme>
+  </a:themeElements>
+  <a:objectDefaults/>
+  <a:extraClrSchemeLst/>
+  <a:extLst>
+    <a:ext uri="{05A4C25C-085E-4340-85A3-A5531E510DB2}">
+      <thm15:themeFamily xmlns:thm15="http://schemas.microsoft.com/office/thememl/2012/main" name="Office Theme" id="{62F939B6-93AF-4DB8-9C6B-D6C7DFDC589F}" vid="{4A3C46E8-61CC-4603-A589-7422A47A8E4A}"/>
+    </a:ext>
+  </a:extLst>
+</a:theme>
+</file>
+
+<file path=ppt/theme/theme2.xml><?xml version="1.0" encoding="utf-8"?>
 <a:theme xmlns:a="http://schemas.openxmlformats.org/drawingml/2006/main" name="Тема Office">
   <a:themeElements>
     <a:clrScheme name="Стандартная">
